--- a/docs/CAMEO Name Paser.pptx
+++ b/docs/CAMEO Name Paser.pptx
@@ -10,7 +10,8 @@
     <p:sldId id="264" r:id="rId4"/>
     <p:sldId id="265" r:id="rId5"/>
     <p:sldId id="266" r:id="rId6"/>
-    <p:sldId id="263" r:id="rId7"/>
+    <p:sldId id="267" r:id="rId7"/>
+    <p:sldId id="263" r:id="rId8"/>
   </p:sldIdLst>
   <p:sldSz cx="12192000" cy="6858000"/>
   <p:notesSz cx="6858000" cy="9144000"/>
@@ -6696,6 +6697,109 @@
             <p:ph type="title"/>
           </p:nvPr>
         </p:nvSpPr>
+        <p:spPr>
+          <a:xfrm>
+            <a:off x="5058206" y="161038"/>
+            <a:ext cx="4460683" cy="2252029"/>
+          </a:xfrm>
+        </p:spPr>
+        <p:txBody>
+          <a:bodyPr>
+            <a:normAutofit fontScale="90000"/>
+          </a:bodyPr>
+          <a:lstStyle/>
+          <a:p>
+            <a:r>
+              <a:rPr lang="en-US" b="1" dirty="0" smtClean="0"/>
+              <a:t>3,423,740,385,000 approx.. String comparisons needed for finding relation</a:t>
+            </a:r>
+            <a:endParaRPr lang="en-US" b="1" dirty="0"/>
+          </a:p>
+        </p:txBody>
+      </p:sp>
+      <p:sp>
+        <p:nvSpPr>
+          <p:cNvPr id="3" name="Content Placeholder 2"/>
+          <p:cNvSpPr>
+            <a:spLocks noGrp="1"/>
+          </p:cNvSpPr>
+          <p:nvPr>
+            <p:ph idx="1"/>
+          </p:nvPr>
+        </p:nvSpPr>
+        <p:spPr/>
+        <p:txBody>
+          <a:bodyPr/>
+          <a:lstStyle/>
+          <a:p>
+            <a:endParaRPr lang="en-US" dirty="0"/>
+          </a:p>
+        </p:txBody>
+      </p:sp>
+      <p:pic>
+        <p:nvPicPr>
+          <p:cNvPr id="4" name="Picture 3"/>
+          <p:cNvPicPr>
+            <a:picLocks noChangeAspect="1"/>
+          </p:cNvPicPr>
+          <p:nvPr/>
+        </p:nvPicPr>
+        <p:blipFill>
+          <a:blip r:embed="rId2"/>
+          <a:stretch>
+            <a:fillRect/>
+          </a:stretch>
+        </p:blipFill>
+        <p:spPr>
+          <a:xfrm>
+            <a:off x="821635" y="413515"/>
+            <a:ext cx="3980952" cy="4742857"/>
+          </a:xfrm>
+          <a:prstGeom prst="rect">
+            <a:avLst/>
+          </a:prstGeom>
+        </p:spPr>
+      </p:pic>
+    </p:spTree>
+    <p:extLst>
+      <p:ext uri="{BB962C8B-B14F-4D97-AF65-F5344CB8AC3E}">
+        <p14:creationId xmlns:p14="http://schemas.microsoft.com/office/powerpoint/2010/main" val="3619607861"/>
+      </p:ext>
+    </p:extLst>
+  </p:cSld>
+  <p:clrMapOvr>
+    <a:masterClrMapping/>
+  </p:clrMapOvr>
+</p:sld>
+</file>
+
+<file path=ppt/slides/slide7.xml><?xml version="1.0" encoding="utf-8"?>
+<p:sld xmlns:a="http://schemas.openxmlformats.org/drawingml/2006/main" xmlns:r="http://schemas.openxmlformats.org/officeDocument/2006/relationships" xmlns:p="http://schemas.openxmlformats.org/presentationml/2006/main">
+  <p:cSld>
+    <p:spTree>
+      <p:nvGrpSpPr>
+        <p:cNvPr id="1" name=""/>
+        <p:cNvGrpSpPr/>
+        <p:nvPr/>
+      </p:nvGrpSpPr>
+      <p:grpSpPr>
+        <a:xfrm>
+          <a:off x="0" y="0"/>
+          <a:ext cx="0" cy="0"/>
+          <a:chOff x="0" y="0"/>
+          <a:chExt cx="0" cy="0"/>
+        </a:xfrm>
+      </p:grpSpPr>
+      <p:sp>
+        <p:nvSpPr>
+          <p:cNvPr id="2" name="Title 1"/>
+          <p:cNvSpPr>
+            <a:spLocks noGrp="1"/>
+          </p:cNvSpPr>
+          <p:nvPr>
+            <p:ph type="title"/>
+          </p:nvPr>
+        </p:nvSpPr>
         <p:spPr/>
         <p:txBody>
           <a:bodyPr/>

--- a/docs/CAMEO Name Paser.pptx
+++ b/docs/CAMEO Name Paser.pptx
@@ -11,7 +11,9 @@
     <p:sldId id="265" r:id="rId5"/>
     <p:sldId id="266" r:id="rId6"/>
     <p:sldId id="267" r:id="rId7"/>
-    <p:sldId id="263" r:id="rId8"/>
+    <p:sldId id="268" r:id="rId8"/>
+    <p:sldId id="269" r:id="rId9"/>
+    <p:sldId id="263" r:id="rId10"/>
   </p:sldIdLst>
   <p:sldSz cx="12192000" cy="6858000"/>
   <p:notesSz cx="6858000" cy="9144000"/>
@@ -840,7 +842,7 @@
           <a:p>
             <a:fld id="{BB9C12D9-04FB-45DA-B247-F209349474D0}" type="datetimeFigureOut">
               <a:rPr lang="en-US" smtClean="0"/>
-              <a:t>2/8/2017</a:t>
+              <a:t>2/22/2017</a:t>
             </a:fld>
             <a:endParaRPr lang="en-US"/>
           </a:p>
@@ -1091,7 +1093,7 @@
           <a:p>
             <a:fld id="{BB9C12D9-04FB-45DA-B247-F209349474D0}" type="datetimeFigureOut">
               <a:rPr lang="en-US" smtClean="0"/>
-              <a:t>2/8/2017</a:t>
+              <a:t>2/22/2017</a:t>
             </a:fld>
             <a:endParaRPr lang="en-US"/>
           </a:p>
@@ -1405,7 +1407,7 @@
           <a:p>
             <a:fld id="{BB9C12D9-04FB-45DA-B247-F209349474D0}" type="datetimeFigureOut">
               <a:rPr lang="en-US" smtClean="0"/>
-              <a:t>2/8/2017</a:t>
+              <a:t>2/22/2017</a:t>
             </a:fld>
             <a:endParaRPr lang="en-US"/>
           </a:p>
@@ -1746,7 +1748,7 @@
           <a:p>
             <a:fld id="{BB9C12D9-04FB-45DA-B247-F209349474D0}" type="datetimeFigureOut">
               <a:rPr lang="en-US" smtClean="0"/>
-              <a:t>2/8/2017</a:t>
+              <a:t>2/22/2017</a:t>
             </a:fld>
             <a:endParaRPr lang="en-US"/>
           </a:p>
@@ -2060,7 +2062,7 @@
           <a:p>
             <a:fld id="{BB9C12D9-04FB-45DA-B247-F209349474D0}" type="datetimeFigureOut">
               <a:rPr lang="en-US" smtClean="0"/>
-              <a:t>2/8/2017</a:t>
+              <a:t>2/22/2017</a:t>
             </a:fld>
             <a:endParaRPr lang="en-US"/>
           </a:p>
@@ -2453,7 +2455,7 @@
           <a:p>
             <a:fld id="{BB9C12D9-04FB-45DA-B247-F209349474D0}" type="datetimeFigureOut">
               <a:rPr lang="en-US" smtClean="0"/>
-              <a:t>2/8/2017</a:t>
+              <a:t>2/22/2017</a:t>
             </a:fld>
             <a:endParaRPr lang="en-US"/>
           </a:p>
@@ -2623,7 +2625,7 @@
           <a:p>
             <a:fld id="{BB9C12D9-04FB-45DA-B247-F209349474D0}" type="datetimeFigureOut">
               <a:rPr lang="en-US" smtClean="0"/>
-              <a:t>2/8/2017</a:t>
+              <a:t>2/22/2017</a:t>
             </a:fld>
             <a:endParaRPr lang="en-US"/>
           </a:p>
@@ -2803,7 +2805,7 @@
           <a:p>
             <a:fld id="{BB9C12D9-04FB-45DA-B247-F209349474D0}" type="datetimeFigureOut">
               <a:rPr lang="en-US" smtClean="0"/>
-              <a:t>2/8/2017</a:t>
+              <a:t>2/22/2017</a:t>
             </a:fld>
             <a:endParaRPr lang="en-US"/>
           </a:p>
@@ -2979,7 +2981,7 @@
           <a:p>
             <a:fld id="{BB9C12D9-04FB-45DA-B247-F209349474D0}" type="datetimeFigureOut">
               <a:rPr lang="en-US" smtClean="0"/>
-              <a:t>2/8/2017</a:t>
+              <a:t>2/22/2017</a:t>
             </a:fld>
             <a:endParaRPr lang="en-US"/>
           </a:p>
@@ -3226,7 +3228,7 @@
           <a:p>
             <a:fld id="{BB9C12D9-04FB-45DA-B247-F209349474D0}" type="datetimeFigureOut">
               <a:rPr lang="en-US" smtClean="0"/>
-              <a:t>2/8/2017</a:t>
+              <a:t>2/22/2017</a:t>
             </a:fld>
             <a:endParaRPr lang="en-US"/>
           </a:p>
@@ -3458,7 +3460,7 @@
           <a:p>
             <a:fld id="{BB9C12D9-04FB-45DA-B247-F209349474D0}" type="datetimeFigureOut">
               <a:rPr lang="en-US" smtClean="0"/>
-              <a:t>2/8/2017</a:t>
+              <a:t>2/22/2017</a:t>
             </a:fld>
             <a:endParaRPr lang="en-US"/>
           </a:p>
@@ -3832,7 +3834,7 @@
           <a:p>
             <a:fld id="{BB9C12D9-04FB-45DA-B247-F209349474D0}" type="datetimeFigureOut">
               <a:rPr lang="en-US" smtClean="0"/>
-              <a:t>2/8/2017</a:t>
+              <a:t>2/22/2017</a:t>
             </a:fld>
             <a:endParaRPr lang="en-US"/>
           </a:p>
@@ -3955,7 +3957,7 @@
           <a:p>
             <a:fld id="{BB9C12D9-04FB-45DA-B247-F209349474D0}" type="datetimeFigureOut">
               <a:rPr lang="en-US" smtClean="0"/>
-              <a:t>2/8/2017</a:t>
+              <a:t>2/22/2017</a:t>
             </a:fld>
             <a:endParaRPr lang="en-US"/>
           </a:p>
@@ -4050,7 +4052,7 @@
           <a:p>
             <a:fld id="{BB9C12D9-04FB-45DA-B247-F209349474D0}" type="datetimeFigureOut">
               <a:rPr lang="en-US" smtClean="0"/>
-              <a:t>2/8/2017</a:t>
+              <a:t>2/22/2017</a:t>
             </a:fld>
             <a:endParaRPr lang="en-US"/>
           </a:p>
@@ -4305,7 +4307,7 @@
           <a:p>
             <a:fld id="{BB9C12D9-04FB-45DA-B247-F209349474D0}" type="datetimeFigureOut">
               <a:rPr lang="en-US" smtClean="0"/>
-              <a:t>2/8/2017</a:t>
+              <a:t>2/22/2017</a:t>
             </a:fld>
             <a:endParaRPr lang="en-US"/>
           </a:p>
@@ -4568,7 +4570,7 @@
           <a:p>
             <a:fld id="{BB9C12D9-04FB-45DA-B247-F209349474D0}" type="datetimeFigureOut">
               <a:rPr lang="en-US" smtClean="0"/>
-              <a:t>2/8/2017</a:t>
+              <a:t>2/22/2017</a:t>
             </a:fld>
             <a:endParaRPr lang="en-US"/>
           </a:p>
@@ -5311,7 +5313,7 @@
           <a:p>
             <a:fld id="{BB9C12D9-04FB-45DA-B247-F209349474D0}" type="datetimeFigureOut">
               <a:rPr lang="en-US" smtClean="0"/>
-              <a:t>2/8/2017</a:t>
+              <a:t>2/22/2017</a:t>
             </a:fld>
             <a:endParaRPr lang="en-US"/>
           </a:p>
@@ -5852,15 +5854,7 @@
           <a:p>
             <a:r>
               <a:rPr lang="en-US" dirty="0" smtClean="0"/>
-              <a:t>CAMEO</a:t>
-            </a:r>
-            <a:r>
-              <a:rPr lang="en-US" dirty="0" smtClean="0"/>
-              <a:t> </a:t>
-            </a:r>
-            <a:r>
-              <a:rPr lang="en-US" dirty="0" smtClean="0"/>
-              <a:t>Names </a:t>
+              <a:t>CAMEO Names </a:t>
             </a:r>
             <a:endParaRPr lang="en-US" dirty="0"/>
           </a:p>
@@ -5947,11 +5941,7 @@
           <a:p>
             <a:r>
               <a:rPr lang="en-US" dirty="0" smtClean="0"/>
-              <a:t>CAMEO </a:t>
-            </a:r>
-            <a:r>
-              <a:rPr lang="en-US" dirty="0" smtClean="0"/>
-              <a:t>Data Set</a:t>
+              <a:t>CAMEO Data Set</a:t>
             </a:r>
             <a:endParaRPr lang="en-US" dirty="0"/>
           </a:p>
@@ -6774,6 +6764,379 @@
 </file>
 
 <file path=ppt/slides/slide7.xml><?xml version="1.0" encoding="utf-8"?>
+<p:sld xmlns:a="http://schemas.openxmlformats.org/drawingml/2006/main" xmlns:r="http://schemas.openxmlformats.org/officeDocument/2006/relationships" xmlns:p="http://schemas.openxmlformats.org/presentationml/2006/main">
+  <p:cSld>
+    <p:spTree>
+      <p:nvGrpSpPr>
+        <p:cNvPr id="1" name=""/>
+        <p:cNvGrpSpPr/>
+        <p:nvPr/>
+      </p:nvGrpSpPr>
+      <p:grpSpPr>
+        <a:xfrm>
+          <a:off x="0" y="0"/>
+          <a:ext cx="0" cy="0"/>
+          <a:chOff x="0" y="0"/>
+          <a:chExt cx="0" cy="0"/>
+        </a:xfrm>
+      </p:grpSpPr>
+      <p:sp>
+        <p:nvSpPr>
+          <p:cNvPr id="2" name="Title 1"/>
+          <p:cNvSpPr>
+            <a:spLocks noGrp="1"/>
+          </p:cNvSpPr>
+          <p:nvPr>
+            <p:ph type="title"/>
+          </p:nvPr>
+        </p:nvSpPr>
+        <p:spPr/>
+        <p:txBody>
+          <a:bodyPr/>
+          <a:lstStyle/>
+          <a:p>
+            <a:r>
+              <a:rPr lang="en-US" dirty="0" err="1" smtClean="0"/>
+              <a:t>CAMEO_JRC_Relation</a:t>
+            </a:r>
+            <a:endParaRPr lang="en-US" dirty="0"/>
+          </a:p>
+        </p:txBody>
+      </p:sp>
+      <p:sp>
+        <p:nvSpPr>
+          <p:cNvPr id="3" name="Content Placeholder 2"/>
+          <p:cNvSpPr>
+            <a:spLocks noGrp="1"/>
+          </p:cNvSpPr>
+          <p:nvPr>
+            <p:ph idx="1"/>
+          </p:nvPr>
+        </p:nvSpPr>
+        <p:spPr/>
+        <p:txBody>
+          <a:bodyPr/>
+          <a:lstStyle/>
+          <a:p>
+            <a:r>
+              <a:rPr lang="en-US" dirty="0"/>
+              <a:t>{</a:t>
+            </a:r>
+          </a:p>
+          <a:p>
+            <a:r>
+              <a:rPr lang="en-US" dirty="0"/>
+              <a:t>    "_id" : </a:t>
+            </a:r>
+            <a:r>
+              <a:rPr lang="en-US" dirty="0" smtClean="0"/>
+              <a:t>&lt;Record ID&gt;</a:t>
+            </a:r>
+            <a:endParaRPr lang="en-US" dirty="0"/>
+          </a:p>
+          <a:p>
+            <a:r>
+              <a:rPr lang="en-US" dirty="0"/>
+              <a:t>    "</a:t>
+            </a:r>
+            <a:r>
+              <a:rPr lang="en-US" dirty="0" err="1"/>
+              <a:t>jrc_id</a:t>
+            </a:r>
+            <a:r>
+              <a:rPr lang="en-US" dirty="0"/>
+              <a:t>" : </a:t>
+            </a:r>
+            <a:r>
+              <a:rPr lang="en-US" dirty="0" smtClean="0"/>
+              <a:t>&lt;Record ID in </a:t>
+            </a:r>
+            <a:r>
+              <a:rPr lang="en-US" dirty="0" err="1" smtClean="0"/>
+              <a:t>JRC_Names</a:t>
+            </a:r>
+            <a:r>
+              <a:rPr lang="en-US" dirty="0" smtClean="0"/>
+              <a:t> table&gt;</a:t>
+            </a:r>
+            <a:endParaRPr lang="en-US" dirty="0"/>
+          </a:p>
+          <a:p>
+            <a:r>
+              <a:rPr lang="en-US" dirty="0"/>
+              <a:t>    "</a:t>
+            </a:r>
+            <a:r>
+              <a:rPr lang="en-US" dirty="0" err="1"/>
+              <a:t>jrc_code</a:t>
+            </a:r>
+            <a:r>
+              <a:rPr lang="en-US" dirty="0"/>
+              <a:t>" : </a:t>
+            </a:r>
+            <a:r>
+              <a:rPr lang="en-US" dirty="0" smtClean="0"/>
+              <a:t>&lt;JRC ID for the entity&gt;,</a:t>
+            </a:r>
+            <a:endParaRPr lang="en-US" dirty="0"/>
+          </a:p>
+          <a:p>
+            <a:r>
+              <a:rPr lang="en-US" dirty="0"/>
+              <a:t>    "</a:t>
+            </a:r>
+            <a:r>
+              <a:rPr lang="en-US" dirty="0" err="1"/>
+              <a:t>cameo_title</a:t>
+            </a:r>
+            <a:r>
+              <a:rPr lang="en-US" dirty="0"/>
+              <a:t>" : </a:t>
+            </a:r>
+            <a:r>
+              <a:rPr lang="en-US" dirty="0" smtClean="0"/>
+              <a:t>“&lt;CAMEO Title / country name for connected record&gt;",</a:t>
+            </a:r>
+            <a:endParaRPr lang="en-US" dirty="0"/>
+          </a:p>
+          <a:p>
+            <a:r>
+              <a:rPr lang="en-US" dirty="0"/>
+              <a:t>    "</a:t>
+            </a:r>
+            <a:r>
+              <a:rPr lang="en-US" dirty="0" err="1"/>
+              <a:t>cameo_id</a:t>
+            </a:r>
+            <a:r>
+              <a:rPr lang="en-US" dirty="0"/>
+              <a:t>" : </a:t>
+            </a:r>
+            <a:r>
+              <a:rPr lang="en-US" dirty="0" smtClean="0"/>
+              <a:t>&lt;Record ID in </a:t>
+            </a:r>
+            <a:r>
+              <a:rPr lang="en-US" dirty="0" err="1" smtClean="0"/>
+              <a:t>CAMEO_Data</a:t>
+            </a:r>
+            <a:r>
+              <a:rPr lang="en-US" dirty="0" smtClean="0"/>
+              <a:t> table&gt;</a:t>
+            </a:r>
+            <a:endParaRPr lang="en-US" dirty="0"/>
+          </a:p>
+          <a:p>
+            <a:r>
+              <a:rPr lang="en-US" dirty="0"/>
+              <a:t>    "</a:t>
+            </a:r>
+            <a:r>
+              <a:rPr lang="en-US" dirty="0" err="1"/>
+              <a:t>compare_string</a:t>
+            </a:r>
+            <a:r>
+              <a:rPr lang="en-US" dirty="0"/>
+              <a:t>" : </a:t>
+            </a:r>
+            <a:r>
+              <a:rPr lang="en-US" dirty="0" smtClean="0"/>
+              <a:t>&lt;String compared that can be hashed or indexed for </a:t>
+            </a:r>
+            <a:r>
+              <a:rPr lang="en-US" dirty="0" err="1" smtClean="0"/>
+              <a:t>serch</a:t>
+            </a:r>
+            <a:r>
+              <a:rPr lang="en-US" dirty="0" smtClean="0"/>
+              <a:t>&gt;  Eg: "</a:t>
+            </a:r>
+            <a:r>
+              <a:rPr lang="en-US" dirty="0" err="1" smtClean="0"/>
+              <a:t>chamber+of+commerce</a:t>
+            </a:r>
+            <a:r>
+              <a:rPr lang="en-US" dirty="0"/>
+              <a:t>"</a:t>
+            </a:r>
+          </a:p>
+          <a:p>
+            <a:r>
+              <a:rPr lang="en-US" dirty="0"/>
+              <a:t>}</a:t>
+            </a:r>
+          </a:p>
+        </p:txBody>
+      </p:sp>
+    </p:spTree>
+    <p:extLst>
+      <p:ext uri="{BB962C8B-B14F-4D97-AF65-F5344CB8AC3E}">
+        <p14:creationId xmlns:p14="http://schemas.microsoft.com/office/powerpoint/2010/main" val="3897715233"/>
+      </p:ext>
+    </p:extLst>
+  </p:cSld>
+  <p:clrMapOvr>
+    <a:masterClrMapping/>
+  </p:clrMapOvr>
+</p:sld>
+</file>
+
+<file path=ppt/slides/slide8.xml><?xml version="1.0" encoding="utf-8"?>
+<p:sld xmlns:a="http://schemas.openxmlformats.org/drawingml/2006/main" xmlns:r="http://schemas.openxmlformats.org/officeDocument/2006/relationships" xmlns:p="http://schemas.openxmlformats.org/presentationml/2006/main">
+  <p:cSld>
+    <p:spTree>
+      <p:nvGrpSpPr>
+        <p:cNvPr id="1" name=""/>
+        <p:cNvGrpSpPr/>
+        <p:nvPr/>
+      </p:nvGrpSpPr>
+      <p:grpSpPr>
+        <a:xfrm>
+          <a:off x="0" y="0"/>
+          <a:ext cx="0" cy="0"/>
+          <a:chOff x="0" y="0"/>
+          <a:chExt cx="0" cy="0"/>
+        </a:xfrm>
+      </p:grpSpPr>
+      <p:sp>
+        <p:nvSpPr>
+          <p:cNvPr id="2" name="Title 1"/>
+          <p:cNvSpPr>
+            <a:spLocks noGrp="1"/>
+          </p:cNvSpPr>
+          <p:nvPr>
+            <p:ph type="title"/>
+          </p:nvPr>
+        </p:nvSpPr>
+        <p:spPr/>
+        <p:txBody>
+          <a:bodyPr/>
+          <a:lstStyle/>
+          <a:p>
+            <a:r>
+              <a:rPr lang="en-US" dirty="0"/>
+              <a:t>S</a:t>
+            </a:r>
+            <a:r>
+              <a:rPr lang="en-US" dirty="0" smtClean="0"/>
+              <a:t>tats</a:t>
+            </a:r>
+            <a:endParaRPr lang="en-US" dirty="0"/>
+          </a:p>
+        </p:txBody>
+      </p:sp>
+      <p:sp>
+        <p:nvSpPr>
+          <p:cNvPr id="3" name="Content Placeholder 2"/>
+          <p:cNvSpPr>
+            <a:spLocks noGrp="1"/>
+          </p:cNvSpPr>
+          <p:nvPr>
+            <p:ph idx="1"/>
+          </p:nvPr>
+        </p:nvSpPr>
+        <p:spPr/>
+        <p:txBody>
+          <a:bodyPr/>
+          <a:lstStyle/>
+          <a:p>
+            <a:r>
+              <a:rPr lang="en-US" dirty="0" smtClean="0"/>
+              <a:t>Total Records found by many-to-many string comparison : 7427</a:t>
+            </a:r>
+          </a:p>
+          <a:p>
+            <a:r>
+              <a:rPr lang="en-US" dirty="0" smtClean="0"/>
+              <a:t>Approx. ~7000 unique entities (Person/</a:t>
+            </a:r>
+            <a:r>
+              <a:rPr lang="en-US" dirty="0" err="1" smtClean="0"/>
+              <a:t>Organisation</a:t>
+            </a:r>
+            <a:r>
+              <a:rPr lang="en-US" dirty="0" smtClean="0"/>
+              <a:t>)</a:t>
+            </a:r>
+          </a:p>
+          <a:p>
+            <a:r>
+              <a:rPr lang="en-US" dirty="0" smtClean="0"/>
+              <a:t>Most relation found in </a:t>
+            </a:r>
+            <a:r>
+              <a:rPr lang="en-US" dirty="0" err="1" smtClean="0"/>
+              <a:t>Phoenix.Countries.actors</a:t>
+            </a:r>
+            <a:r>
+              <a:rPr lang="en-US" dirty="0" smtClean="0"/>
+              <a:t> – 6423 connections</a:t>
+            </a:r>
+          </a:p>
+          <a:p>
+            <a:r>
+              <a:rPr lang="en-US" dirty="0" smtClean="0"/>
+              <a:t>Time to generate the data after running 4 instances targeting 4 different CAMEO files separately all running in parallel: 11 hours </a:t>
+            </a:r>
+          </a:p>
+          <a:p>
+            <a:r>
+              <a:rPr lang="en-US" dirty="0" smtClean="0"/>
+              <a:t>Time to generate data only from </a:t>
+            </a:r>
+            <a:r>
+              <a:rPr lang="en-US" dirty="0" err="1" smtClean="0"/>
+              <a:t>Phoenix.Countries.actors</a:t>
+            </a:r>
+            <a:r>
+              <a:rPr lang="en-US" dirty="0" smtClean="0"/>
+              <a:t> : 55 minutes</a:t>
+            </a:r>
+          </a:p>
+          <a:p>
+            <a:endParaRPr lang="en-US" dirty="0"/>
+          </a:p>
+          <a:p>
+            <a:r>
+              <a:rPr lang="en-US" dirty="0" smtClean="0"/>
+              <a:t>Better Improvement possible with Apache Spark. </a:t>
+            </a:r>
+          </a:p>
+          <a:p>
+            <a:r>
+              <a:rPr lang="en-US" dirty="0" smtClean="0"/>
+              <a:t>Data: </a:t>
+            </a:r>
+            <a:r>
+              <a:rPr lang="en-US" u="sng" dirty="0">
+                <a:hlinkClick r:id="rId2"/>
+              </a:rPr>
+              <a:t>https://github.com/SubhasisDutta/CAMEO-JRC-Database/blob/master/data/cameo_jrc/cameo_CountryActors_with_jrc.txt</a:t>
+            </a:r>
+            <a:r>
+              <a:rPr lang="en-US" dirty="0"/>
+              <a:t>  </a:t>
+            </a:r>
+          </a:p>
+          <a:p>
+            <a:endParaRPr lang="en-US" dirty="0"/>
+          </a:p>
+        </p:txBody>
+      </p:sp>
+    </p:spTree>
+    <p:extLst>
+      <p:ext uri="{BB962C8B-B14F-4D97-AF65-F5344CB8AC3E}">
+        <p14:creationId xmlns:p14="http://schemas.microsoft.com/office/powerpoint/2010/main" val="4233168409"/>
+      </p:ext>
+    </p:extLst>
+  </p:cSld>
+  <p:clrMapOvr>
+    <a:masterClrMapping/>
+  </p:clrMapOvr>
+</p:sld>
+</file>
+
+<file path=ppt/slides/slide9.xml><?xml version="1.0" encoding="utf-8"?>
 <p:sld xmlns:a="http://schemas.openxmlformats.org/drawingml/2006/main" xmlns:r="http://schemas.openxmlformats.org/officeDocument/2006/relationships" xmlns:p="http://schemas.openxmlformats.org/presentationml/2006/main">
   <p:cSld>
     <p:spTree>

--- a/docs/CAMEO Name Paser.pptx
+++ b/docs/CAMEO Name Paser.pptx
@@ -13,7 +13,12 @@
     <p:sldId id="267" r:id="rId7"/>
     <p:sldId id="268" r:id="rId8"/>
     <p:sldId id="269" r:id="rId9"/>
-    <p:sldId id="263" r:id="rId10"/>
+    <p:sldId id="270" r:id="rId10"/>
+    <p:sldId id="271" r:id="rId11"/>
+    <p:sldId id="273" r:id="rId12"/>
+    <p:sldId id="272" r:id="rId13"/>
+    <p:sldId id="274" r:id="rId14"/>
+    <p:sldId id="263" r:id="rId15"/>
   </p:sldIdLst>
   <p:sldSz cx="12192000" cy="6858000"/>
   <p:notesSz cx="6858000" cy="9144000"/>
@@ -842,7 +847,7 @@
           <a:p>
             <a:fld id="{BB9C12D9-04FB-45DA-B247-F209349474D0}" type="datetimeFigureOut">
               <a:rPr lang="en-US" smtClean="0"/>
-              <a:t>2/22/2017</a:t>
+              <a:t>3/9/2017</a:t>
             </a:fld>
             <a:endParaRPr lang="en-US"/>
           </a:p>
@@ -1093,7 +1098,7 @@
           <a:p>
             <a:fld id="{BB9C12D9-04FB-45DA-B247-F209349474D0}" type="datetimeFigureOut">
               <a:rPr lang="en-US" smtClean="0"/>
-              <a:t>2/22/2017</a:t>
+              <a:t>3/9/2017</a:t>
             </a:fld>
             <a:endParaRPr lang="en-US"/>
           </a:p>
@@ -1407,7 +1412,7 @@
           <a:p>
             <a:fld id="{BB9C12D9-04FB-45DA-B247-F209349474D0}" type="datetimeFigureOut">
               <a:rPr lang="en-US" smtClean="0"/>
-              <a:t>2/22/2017</a:t>
+              <a:t>3/9/2017</a:t>
             </a:fld>
             <a:endParaRPr lang="en-US"/>
           </a:p>
@@ -1748,7 +1753,7 @@
           <a:p>
             <a:fld id="{BB9C12D9-04FB-45DA-B247-F209349474D0}" type="datetimeFigureOut">
               <a:rPr lang="en-US" smtClean="0"/>
-              <a:t>2/22/2017</a:t>
+              <a:t>3/9/2017</a:t>
             </a:fld>
             <a:endParaRPr lang="en-US"/>
           </a:p>
@@ -2062,7 +2067,7 @@
           <a:p>
             <a:fld id="{BB9C12D9-04FB-45DA-B247-F209349474D0}" type="datetimeFigureOut">
               <a:rPr lang="en-US" smtClean="0"/>
-              <a:t>2/22/2017</a:t>
+              <a:t>3/9/2017</a:t>
             </a:fld>
             <a:endParaRPr lang="en-US"/>
           </a:p>
@@ -2455,7 +2460,7 @@
           <a:p>
             <a:fld id="{BB9C12D9-04FB-45DA-B247-F209349474D0}" type="datetimeFigureOut">
               <a:rPr lang="en-US" smtClean="0"/>
-              <a:t>2/22/2017</a:t>
+              <a:t>3/9/2017</a:t>
             </a:fld>
             <a:endParaRPr lang="en-US"/>
           </a:p>
@@ -2625,7 +2630,7 @@
           <a:p>
             <a:fld id="{BB9C12D9-04FB-45DA-B247-F209349474D0}" type="datetimeFigureOut">
               <a:rPr lang="en-US" smtClean="0"/>
-              <a:t>2/22/2017</a:t>
+              <a:t>3/9/2017</a:t>
             </a:fld>
             <a:endParaRPr lang="en-US"/>
           </a:p>
@@ -2805,7 +2810,7 @@
           <a:p>
             <a:fld id="{BB9C12D9-04FB-45DA-B247-F209349474D0}" type="datetimeFigureOut">
               <a:rPr lang="en-US" smtClean="0"/>
-              <a:t>2/22/2017</a:t>
+              <a:t>3/9/2017</a:t>
             </a:fld>
             <a:endParaRPr lang="en-US"/>
           </a:p>
@@ -2981,7 +2986,7 @@
           <a:p>
             <a:fld id="{BB9C12D9-04FB-45DA-B247-F209349474D0}" type="datetimeFigureOut">
               <a:rPr lang="en-US" smtClean="0"/>
-              <a:t>2/22/2017</a:t>
+              <a:t>3/9/2017</a:t>
             </a:fld>
             <a:endParaRPr lang="en-US"/>
           </a:p>
@@ -3228,7 +3233,7 @@
           <a:p>
             <a:fld id="{BB9C12D9-04FB-45DA-B247-F209349474D0}" type="datetimeFigureOut">
               <a:rPr lang="en-US" smtClean="0"/>
-              <a:t>2/22/2017</a:t>
+              <a:t>3/9/2017</a:t>
             </a:fld>
             <a:endParaRPr lang="en-US"/>
           </a:p>
@@ -3460,7 +3465,7 @@
           <a:p>
             <a:fld id="{BB9C12D9-04FB-45DA-B247-F209349474D0}" type="datetimeFigureOut">
               <a:rPr lang="en-US" smtClean="0"/>
-              <a:t>2/22/2017</a:t>
+              <a:t>3/9/2017</a:t>
             </a:fld>
             <a:endParaRPr lang="en-US"/>
           </a:p>
@@ -3834,7 +3839,7 @@
           <a:p>
             <a:fld id="{BB9C12D9-04FB-45DA-B247-F209349474D0}" type="datetimeFigureOut">
               <a:rPr lang="en-US" smtClean="0"/>
-              <a:t>2/22/2017</a:t>
+              <a:t>3/9/2017</a:t>
             </a:fld>
             <a:endParaRPr lang="en-US"/>
           </a:p>
@@ -3957,7 +3962,7 @@
           <a:p>
             <a:fld id="{BB9C12D9-04FB-45DA-B247-F209349474D0}" type="datetimeFigureOut">
               <a:rPr lang="en-US" smtClean="0"/>
-              <a:t>2/22/2017</a:t>
+              <a:t>3/9/2017</a:t>
             </a:fld>
             <a:endParaRPr lang="en-US"/>
           </a:p>
@@ -4052,7 +4057,7 @@
           <a:p>
             <a:fld id="{BB9C12D9-04FB-45DA-B247-F209349474D0}" type="datetimeFigureOut">
               <a:rPr lang="en-US" smtClean="0"/>
-              <a:t>2/22/2017</a:t>
+              <a:t>3/9/2017</a:t>
             </a:fld>
             <a:endParaRPr lang="en-US"/>
           </a:p>
@@ -4307,7 +4312,7 @@
           <a:p>
             <a:fld id="{BB9C12D9-04FB-45DA-B247-F209349474D0}" type="datetimeFigureOut">
               <a:rPr lang="en-US" smtClean="0"/>
-              <a:t>2/22/2017</a:t>
+              <a:t>3/9/2017</a:t>
             </a:fld>
             <a:endParaRPr lang="en-US"/>
           </a:p>
@@ -4570,7 +4575,7 @@
           <a:p>
             <a:fld id="{BB9C12D9-04FB-45DA-B247-F209349474D0}" type="datetimeFigureOut">
               <a:rPr lang="en-US" smtClean="0"/>
-              <a:t>2/22/2017</a:t>
+              <a:t>3/9/2017</a:t>
             </a:fld>
             <a:endParaRPr lang="en-US"/>
           </a:p>
@@ -5313,7 +5318,7 @@
           <a:p>
             <a:fld id="{BB9C12D9-04FB-45DA-B247-F209349474D0}" type="datetimeFigureOut">
               <a:rPr lang="en-US" smtClean="0"/>
-              <a:t>2/22/2017</a:t>
+              <a:t>3/9/2017</a:t>
             </a:fld>
             <a:endParaRPr lang="en-US"/>
           </a:p>
@@ -5902,6 +5907,1357 @@
 </p:sld>
 </file>
 
+<file path=ppt/slides/slide10.xml><?xml version="1.0" encoding="utf-8"?>
+<p:sld xmlns:a="http://schemas.openxmlformats.org/drawingml/2006/main" xmlns:r="http://schemas.openxmlformats.org/officeDocument/2006/relationships" xmlns:p="http://schemas.openxmlformats.org/presentationml/2006/main">
+  <p:cSld>
+    <p:spTree>
+      <p:nvGrpSpPr>
+        <p:cNvPr id="1" name=""/>
+        <p:cNvGrpSpPr/>
+        <p:nvPr/>
+      </p:nvGrpSpPr>
+      <p:grpSpPr>
+        <a:xfrm>
+          <a:off x="0" y="0"/>
+          <a:ext cx="0" cy="0"/>
+          <a:chOff x="0" y="0"/>
+          <a:chExt cx="0" cy="0"/>
+        </a:xfrm>
+      </p:grpSpPr>
+      <p:sp>
+        <p:nvSpPr>
+          <p:cNvPr id="2" name="Title 1"/>
+          <p:cNvSpPr>
+            <a:spLocks noGrp="1"/>
+          </p:cNvSpPr>
+          <p:nvPr>
+            <p:ph type="title"/>
+          </p:nvPr>
+        </p:nvSpPr>
+        <p:spPr/>
+        <p:txBody>
+          <a:bodyPr/>
+          <a:lstStyle/>
+          <a:p>
+            <a:r>
+              <a:rPr lang="en-US" dirty="0" err="1" smtClean="0"/>
+              <a:t>BableNet</a:t>
+            </a:r>
+            <a:endParaRPr lang="en-US" dirty="0"/>
+          </a:p>
+        </p:txBody>
+      </p:sp>
+      <p:pic>
+        <p:nvPicPr>
+          <p:cNvPr id="2050" name="Picture 2" descr="BabelNet infographic"/>
+          <p:cNvPicPr>
+            <a:picLocks noGrp="1" noChangeAspect="1" noChangeArrowheads="1"/>
+          </p:cNvPicPr>
+          <p:nvPr>
+            <p:ph idx="1"/>
+          </p:nvPr>
+        </p:nvPicPr>
+        <p:blipFill>
+          <a:blip r:embed="rId2">
+            <a:extLst>
+              <a:ext uri="{28A0092B-C50C-407E-A947-70E740481C1C}">
+                <a14:useLocalDpi xmlns:a14="http://schemas.microsoft.com/office/drawing/2010/main" val="0"/>
+              </a:ext>
+            </a:extLst>
+          </a:blip>
+          <a:srcRect/>
+          <a:stretch>
+            <a:fillRect/>
+          </a:stretch>
+        </p:blipFill>
+        <p:spPr bwMode="auto">
+          <a:xfrm>
+            <a:off x="2680451" y="609600"/>
+            <a:ext cx="6425713" cy="5432425"/>
+          </a:xfrm>
+          <a:prstGeom prst="rect">
+            <a:avLst/>
+          </a:prstGeom>
+          <a:noFill/>
+          <a:extLst>
+            <a:ext uri="{909E8E84-426E-40DD-AFC4-6F175D3DCCD1}">
+              <a14:hiddenFill xmlns:a14="http://schemas.microsoft.com/office/drawing/2010/main">
+                <a:solidFill>
+                  <a:srgbClr val="FFFFFF"/>
+                </a:solidFill>
+              </a14:hiddenFill>
+            </a:ext>
+          </a:extLst>
+        </p:spPr>
+      </p:pic>
+    </p:spTree>
+    <p:extLst>
+      <p:ext uri="{BB962C8B-B14F-4D97-AF65-F5344CB8AC3E}">
+        <p14:creationId xmlns:p14="http://schemas.microsoft.com/office/powerpoint/2010/main" val="1735809485"/>
+      </p:ext>
+    </p:extLst>
+  </p:cSld>
+  <p:clrMapOvr>
+    <a:masterClrMapping/>
+  </p:clrMapOvr>
+</p:sld>
+</file>
+
+<file path=ppt/slides/slide11.xml><?xml version="1.0" encoding="utf-8"?>
+<p:sld xmlns:a="http://schemas.openxmlformats.org/drawingml/2006/main" xmlns:r="http://schemas.openxmlformats.org/officeDocument/2006/relationships" xmlns:p="http://schemas.openxmlformats.org/presentationml/2006/main">
+  <p:cSld>
+    <p:spTree>
+      <p:nvGrpSpPr>
+        <p:cNvPr id="1" name=""/>
+        <p:cNvGrpSpPr/>
+        <p:nvPr/>
+      </p:nvGrpSpPr>
+      <p:grpSpPr>
+        <a:xfrm>
+          <a:off x="0" y="0"/>
+          <a:ext cx="0" cy="0"/>
+          <a:chOff x="0" y="0"/>
+          <a:chExt cx="0" cy="0"/>
+        </a:xfrm>
+      </p:grpSpPr>
+      <p:sp>
+        <p:nvSpPr>
+          <p:cNvPr id="2" name="Title 1"/>
+          <p:cNvSpPr>
+            <a:spLocks noGrp="1"/>
+          </p:cNvSpPr>
+          <p:nvPr>
+            <p:ph type="title"/>
+          </p:nvPr>
+        </p:nvSpPr>
+        <p:spPr/>
+        <p:txBody>
+          <a:bodyPr>
+            <a:normAutofit fontScale="90000"/>
+          </a:bodyPr>
+          <a:lstStyle/>
+          <a:p>
+            <a:r>
+              <a:rPr lang="en-US" dirty="0" smtClean="0"/>
+              <a:t>Search for Donald Trump for Lang (AR and ES)</a:t>
+            </a:r>
+            <a:br>
+              <a:rPr lang="en-US" dirty="0" smtClean="0"/>
+            </a:br>
+            <a:r>
+              <a:rPr lang="en-US" sz="1600" u="sng" dirty="0" smtClean="0">
+                <a:solidFill>
+                  <a:srgbClr val="00B0F0"/>
+                </a:solidFill>
+              </a:rPr>
+              <a:t>http</a:t>
+            </a:r>
+            <a:r>
+              <a:rPr lang="en-US" sz="1600" u="sng" dirty="0">
+                <a:solidFill>
+                  <a:srgbClr val="00B0F0"/>
+                </a:solidFill>
+              </a:rPr>
+              <a:t>://babelnet.org/synset?word=bn:03259764n&amp;details=1&amp;lang=EN&amp;langTrans=AR&amp;langTrans=ES&amp;orig=donald%20trump</a:t>
+            </a:r>
+            <a:r>
+              <a:rPr lang="en-US" dirty="0"/>
+              <a:t/>
+            </a:r>
+            <a:br>
+              <a:rPr lang="en-US" dirty="0"/>
+            </a:br>
+            <a:endParaRPr lang="en-US" dirty="0"/>
+          </a:p>
+        </p:txBody>
+      </p:sp>
+      <p:pic>
+        <p:nvPicPr>
+          <p:cNvPr id="4" name="Content Placeholder 3"/>
+          <p:cNvPicPr>
+            <a:picLocks noGrp="1" noChangeAspect="1"/>
+          </p:cNvPicPr>
+          <p:nvPr>
+            <p:ph idx="1"/>
+          </p:nvPr>
+        </p:nvPicPr>
+        <p:blipFill>
+          <a:blip r:embed="rId2"/>
+          <a:stretch>
+            <a:fillRect/>
+          </a:stretch>
+        </p:blipFill>
+        <p:spPr>
+          <a:xfrm>
+            <a:off x="677335" y="1661823"/>
+            <a:ext cx="8946458" cy="4695739"/>
+          </a:xfrm>
+          <a:prstGeom prst="rect">
+            <a:avLst/>
+          </a:prstGeom>
+        </p:spPr>
+      </p:pic>
+    </p:spTree>
+    <p:extLst>
+      <p:ext uri="{BB962C8B-B14F-4D97-AF65-F5344CB8AC3E}">
+        <p14:creationId xmlns:p14="http://schemas.microsoft.com/office/powerpoint/2010/main" val="680217798"/>
+      </p:ext>
+    </p:extLst>
+  </p:cSld>
+  <p:clrMapOvr>
+    <a:masterClrMapping/>
+  </p:clrMapOvr>
+</p:sld>
+</file>
+
+<file path=ppt/slides/slide12.xml><?xml version="1.0" encoding="utf-8"?>
+<p:sld xmlns:a="http://schemas.openxmlformats.org/drawingml/2006/main" xmlns:r="http://schemas.openxmlformats.org/officeDocument/2006/relationships" xmlns:p="http://schemas.openxmlformats.org/presentationml/2006/main">
+  <p:cSld>
+    <p:spTree>
+      <p:nvGrpSpPr>
+        <p:cNvPr id="1" name=""/>
+        <p:cNvGrpSpPr/>
+        <p:nvPr/>
+      </p:nvGrpSpPr>
+      <p:grpSpPr>
+        <a:xfrm>
+          <a:off x="0" y="0"/>
+          <a:ext cx="0" cy="0"/>
+          <a:chOff x="0" y="0"/>
+          <a:chExt cx="0" cy="0"/>
+        </a:xfrm>
+      </p:grpSpPr>
+      <p:sp>
+        <p:nvSpPr>
+          <p:cNvPr id="2" name="Title 1"/>
+          <p:cNvSpPr>
+            <a:spLocks noGrp="1"/>
+          </p:cNvSpPr>
+          <p:nvPr>
+            <p:ph type="title"/>
+          </p:nvPr>
+        </p:nvSpPr>
+        <p:spPr/>
+        <p:txBody>
+          <a:bodyPr>
+            <a:normAutofit/>
+          </a:bodyPr>
+          <a:lstStyle/>
+          <a:p>
+            <a:r>
+              <a:rPr lang="en-US" dirty="0" err="1" smtClean="0"/>
+              <a:t>BableNet</a:t>
+            </a:r>
+            <a:r>
+              <a:rPr lang="en-US" dirty="0" smtClean="0"/>
+              <a:t> API</a:t>
+            </a:r>
+            <a:br>
+              <a:rPr lang="en-US" dirty="0" smtClean="0"/>
+            </a:br>
+            <a:r>
+              <a:rPr lang="en-US" sz="1400" u="sng" dirty="0">
+                <a:solidFill>
+                  <a:srgbClr val="00B0F0"/>
+                </a:solidFill>
+                <a:hlinkClick r:id="rId2"/>
+              </a:rPr>
+              <a:t>https://babelnet.io/v4/getSenses?word=donald_trump&amp;lang=EN&amp;pos=NOUN&amp;filterLangs=AR&amp;filterLangs=ES&amp;key=284fd255-4315-4e6e-b6c9-f7a6409bc815</a:t>
+            </a:r>
+            <a:r>
+              <a:rPr lang="en-US" sz="1400" dirty="0">
+                <a:solidFill>
+                  <a:srgbClr val="00B0F0"/>
+                </a:solidFill>
+              </a:rPr>
+              <a:t> </a:t>
+            </a:r>
+            <a:endParaRPr lang="en-US" dirty="0">
+              <a:solidFill>
+                <a:srgbClr val="00B0F0"/>
+              </a:solidFill>
+            </a:endParaRPr>
+          </a:p>
+        </p:txBody>
+      </p:sp>
+      <p:sp>
+        <p:nvSpPr>
+          <p:cNvPr id="5" name="Text Placeholder 4"/>
+          <p:cNvSpPr>
+            <a:spLocks noGrp="1"/>
+          </p:cNvSpPr>
+          <p:nvPr>
+            <p:ph type="body" idx="1"/>
+          </p:nvPr>
+        </p:nvSpPr>
+        <p:spPr>
+          <a:xfrm>
+            <a:off x="789252" y="1804946"/>
+            <a:ext cx="8484749" cy="699715"/>
+          </a:xfrm>
+        </p:spPr>
+        <p:txBody>
+          <a:bodyPr/>
+          <a:lstStyle/>
+          <a:p>
+            <a:r>
+              <a:rPr lang="en-US" sz="1400" dirty="0"/>
+              <a:t>Given Name , Language of the name and Languages in which the </a:t>
+            </a:r>
+            <a:r>
+              <a:rPr lang="en-US" sz="1400" dirty="0" smtClean="0"/>
+              <a:t>conversion is </a:t>
+            </a:r>
+            <a:r>
+              <a:rPr lang="en-US" sz="1400" dirty="0"/>
+              <a:t>required .</a:t>
+            </a:r>
+          </a:p>
+          <a:p>
+            <a:endParaRPr lang="en-US" dirty="0"/>
+          </a:p>
+        </p:txBody>
+      </p:sp>
+      <p:sp>
+        <p:nvSpPr>
+          <p:cNvPr id="3" name="Content Placeholder 2"/>
+          <p:cNvSpPr>
+            <a:spLocks noGrp="1"/>
+          </p:cNvSpPr>
+          <p:nvPr>
+            <p:ph sz="half" idx="2"/>
+          </p:nvPr>
+        </p:nvSpPr>
+        <p:spPr>
+          <a:xfrm>
+            <a:off x="675745" y="2138901"/>
+            <a:ext cx="4185623" cy="3902461"/>
+          </a:xfrm>
+        </p:spPr>
+        <p:txBody>
+          <a:bodyPr>
+            <a:normAutofit fontScale="92500" lnSpcReduction="20000"/>
+          </a:bodyPr>
+          <a:lstStyle/>
+          <a:p>
+            <a:pPr marL="0" indent="0">
+              <a:buNone/>
+            </a:pPr>
+            <a:r>
+              <a:rPr lang="en-US" dirty="0" smtClean="0"/>
+              <a:t>[     </a:t>
+            </a:r>
+            <a:r>
+              <a:rPr lang="en-US" dirty="0"/>
+              <a:t>{  </a:t>
+            </a:r>
+            <a:r>
+              <a:rPr lang="en-US" dirty="0" smtClean="0"/>
+              <a:t>      </a:t>
+            </a:r>
+            <a:r>
+              <a:rPr lang="en-US" b="1" dirty="0"/>
+              <a:t>"lemma":"</a:t>
+            </a:r>
+            <a:r>
+              <a:rPr lang="ar-AE" b="1" dirty="0"/>
+              <a:t>دونالد_ترامب</a:t>
+            </a:r>
+            <a:r>
+              <a:rPr lang="ar-AE" b="1" dirty="0" smtClean="0"/>
+              <a:t>",</a:t>
+            </a:r>
+          </a:p>
+          <a:p>
+            <a:pPr marL="0" indent="0">
+              <a:buNone/>
+            </a:pPr>
+            <a:r>
+              <a:rPr lang="ar-AE" b="1" dirty="0" smtClean="0"/>
+              <a:t>      "</a:t>
+            </a:r>
+            <a:r>
+              <a:rPr lang="en-US" b="1" dirty="0" err="1" smtClean="0"/>
+              <a:t>simpleLemma</a:t>
+            </a:r>
+            <a:r>
+              <a:rPr lang="en-US" b="1" dirty="0" smtClean="0"/>
+              <a:t>":"</a:t>
+            </a:r>
+            <a:r>
+              <a:rPr lang="ar-AE" b="1" dirty="0" smtClean="0"/>
+              <a:t>دونالد_ترامب",</a:t>
+            </a:r>
+          </a:p>
+          <a:p>
+            <a:pPr marL="0" indent="0">
+              <a:buNone/>
+            </a:pPr>
+            <a:r>
+              <a:rPr lang="ar-AE" dirty="0" smtClean="0"/>
+              <a:t>      </a:t>
+            </a:r>
+            <a:r>
+              <a:rPr lang="ar-AE" dirty="0"/>
+              <a:t>"</a:t>
+            </a:r>
+            <a:r>
+              <a:rPr lang="en-US" dirty="0" err="1"/>
+              <a:t>source":"WIKIDATA</a:t>
+            </a:r>
+            <a:r>
+              <a:rPr lang="en-US" dirty="0"/>
+              <a:t>",</a:t>
+            </a:r>
+          </a:p>
+          <a:p>
+            <a:pPr marL="0" indent="0">
+              <a:buNone/>
+            </a:pPr>
+            <a:r>
+              <a:rPr lang="en-US" dirty="0"/>
+              <a:t>      "sensekey":"Q22686#1",</a:t>
+            </a:r>
+          </a:p>
+          <a:p>
+            <a:pPr marL="0" indent="0">
+              <a:buNone/>
+            </a:pPr>
+            <a:r>
+              <a:rPr lang="en-US" dirty="0" smtClean="0"/>
+              <a:t>"</a:t>
+            </a:r>
+            <a:r>
+              <a:rPr lang="en-US" dirty="0" err="1"/>
+              <a:t>language":"AR</a:t>
+            </a:r>
+            <a:r>
+              <a:rPr lang="en-US" dirty="0"/>
+              <a:t>",</a:t>
+            </a:r>
+          </a:p>
+          <a:p>
+            <a:pPr marL="0" indent="0">
+              <a:buNone/>
+            </a:pPr>
+            <a:r>
+              <a:rPr lang="en-US" dirty="0"/>
+              <a:t>      "</a:t>
+            </a:r>
+            <a:r>
+              <a:rPr lang="en-US" dirty="0" err="1"/>
+              <a:t>pos</a:t>
+            </a:r>
+            <a:r>
+              <a:rPr lang="en-US" dirty="0"/>
+              <a:t>":"NOUN",</a:t>
+            </a:r>
+          </a:p>
+          <a:p>
+            <a:pPr marL="0" indent="0">
+              <a:buNone/>
+            </a:pPr>
+            <a:r>
+              <a:rPr lang="en-US" dirty="0"/>
+              <a:t>      "</a:t>
+            </a:r>
+            <a:r>
+              <a:rPr lang="en-US" dirty="0" err="1"/>
+              <a:t>synsetID</a:t>
+            </a:r>
+            <a:r>
+              <a:rPr lang="en-US" dirty="0"/>
+              <a:t>":{  </a:t>
+            </a:r>
+          </a:p>
+          <a:p>
+            <a:pPr marL="0" indent="0">
+              <a:buNone/>
+            </a:pPr>
+            <a:r>
+              <a:rPr lang="en-US" dirty="0"/>
+              <a:t>         "id":"bn:03259764n</a:t>
+            </a:r>
+            <a:r>
+              <a:rPr lang="en-US" dirty="0" smtClean="0"/>
+              <a:t>",         </a:t>
+            </a:r>
+            <a:r>
+              <a:rPr lang="en-US" dirty="0"/>
+              <a:t>"</a:t>
+            </a:r>
+            <a:r>
+              <a:rPr lang="en-US" dirty="0" err="1"/>
+              <a:t>pos</a:t>
+            </a:r>
+            <a:r>
+              <a:rPr lang="en-US" dirty="0"/>
+              <a:t>":"NOUN",</a:t>
+            </a:r>
+          </a:p>
+          <a:p>
+            <a:pPr marL="0" indent="0">
+              <a:buNone/>
+            </a:pPr>
+            <a:r>
+              <a:rPr lang="en-US" dirty="0"/>
+              <a:t>         "</a:t>
+            </a:r>
+            <a:r>
+              <a:rPr lang="en-US" dirty="0" err="1"/>
+              <a:t>source":"BABELNET</a:t>
+            </a:r>
+            <a:r>
+              <a:rPr lang="en-US" dirty="0" smtClean="0"/>
+              <a:t>"      </a:t>
+            </a:r>
+            <a:r>
+              <a:rPr lang="en-US" dirty="0"/>
+              <a:t>},</a:t>
+            </a:r>
+          </a:p>
+          <a:p>
+            <a:pPr marL="0" indent="0">
+              <a:buNone/>
+            </a:pPr>
+            <a:r>
+              <a:rPr lang="en-US" dirty="0"/>
+              <a:t>      "</a:t>
+            </a:r>
+            <a:r>
+              <a:rPr lang="en-US" dirty="0" err="1"/>
+              <a:t>translationInfo</a:t>
+            </a:r>
+            <a:r>
+              <a:rPr lang="en-US" dirty="0"/>
+              <a:t>":"",</a:t>
+            </a:r>
+          </a:p>
+          <a:p>
+            <a:pPr marL="0" indent="0">
+              <a:buNone/>
+            </a:pPr>
+            <a:r>
+              <a:rPr lang="en-US" dirty="0" smtClean="0"/>
+              <a:t>]</a:t>
+            </a:r>
+            <a:endParaRPr lang="en-US" dirty="0"/>
+          </a:p>
+        </p:txBody>
+      </p:sp>
+      <p:sp>
+        <p:nvSpPr>
+          <p:cNvPr id="7" name="Content Placeholder 6"/>
+          <p:cNvSpPr>
+            <a:spLocks noGrp="1"/>
+          </p:cNvSpPr>
+          <p:nvPr>
+            <p:ph sz="quarter" idx="4"/>
+          </p:nvPr>
+        </p:nvSpPr>
+        <p:spPr>
+          <a:xfrm>
+            <a:off x="5088384" y="2138901"/>
+            <a:ext cx="4185617" cy="3902461"/>
+          </a:xfrm>
+        </p:spPr>
+        <p:txBody>
+          <a:bodyPr>
+            <a:normAutofit fontScale="92500" lnSpcReduction="20000"/>
+          </a:bodyPr>
+          <a:lstStyle/>
+          <a:p>
+            <a:pPr marL="0" indent="0">
+              <a:buNone/>
+            </a:pPr>
+            <a:r>
+              <a:rPr lang="en-US" dirty="0">
+                <a:latin typeface="Arial" panose="020B0604020202020204" pitchFamily="34" charset="0"/>
+                <a:cs typeface="Arial" panose="020B0604020202020204" pitchFamily="34" charset="0"/>
+              </a:rPr>
+              <a:t> {  </a:t>
+            </a:r>
+            <a:r>
+              <a:rPr lang="en-US" dirty="0" smtClean="0">
+                <a:latin typeface="Arial" panose="020B0604020202020204" pitchFamily="34" charset="0"/>
+                <a:cs typeface="Arial" panose="020B0604020202020204" pitchFamily="34" charset="0"/>
+              </a:rPr>
+              <a:t>  </a:t>
+            </a:r>
+          </a:p>
+          <a:p>
+            <a:pPr marL="0" indent="0">
+              <a:buNone/>
+            </a:pPr>
+            <a:r>
+              <a:rPr lang="en-US" dirty="0" smtClean="0">
+                <a:latin typeface="Arial" panose="020B0604020202020204" pitchFamily="34" charset="0"/>
+                <a:cs typeface="Arial" panose="020B0604020202020204" pitchFamily="34" charset="0"/>
+              </a:rPr>
+              <a:t> </a:t>
+            </a:r>
+            <a:r>
+              <a:rPr lang="en-US" dirty="0">
+                <a:latin typeface="Arial" panose="020B0604020202020204" pitchFamily="34" charset="0"/>
+                <a:cs typeface="Arial" panose="020B0604020202020204" pitchFamily="34" charset="0"/>
+              </a:rPr>
+              <a:t>"</a:t>
+            </a:r>
+            <a:r>
+              <a:rPr lang="en-US" b="1" dirty="0">
+                <a:latin typeface="Arial" panose="020B0604020202020204" pitchFamily="34" charset="0"/>
+                <a:cs typeface="Arial" panose="020B0604020202020204" pitchFamily="34" charset="0"/>
+              </a:rPr>
+              <a:t>lemma":"</a:t>
+            </a:r>
+            <a:r>
+              <a:rPr lang="en-US" b="1" dirty="0" err="1">
+                <a:latin typeface="Arial" panose="020B0604020202020204" pitchFamily="34" charset="0"/>
+                <a:cs typeface="Arial" panose="020B0604020202020204" pitchFamily="34" charset="0"/>
+              </a:rPr>
+              <a:t>Donald_Trump</a:t>
+            </a:r>
+            <a:r>
+              <a:rPr lang="en-US" b="1" dirty="0" smtClean="0">
+                <a:latin typeface="Arial" panose="020B0604020202020204" pitchFamily="34" charset="0"/>
+                <a:cs typeface="Arial" panose="020B0604020202020204" pitchFamily="34" charset="0"/>
+              </a:rPr>
+              <a:t>", </a:t>
+            </a:r>
+            <a:r>
+              <a:rPr lang="en-US" b="1" dirty="0">
+                <a:latin typeface="Arial" panose="020B0604020202020204" pitchFamily="34" charset="0"/>
+                <a:cs typeface="Arial" panose="020B0604020202020204" pitchFamily="34" charset="0"/>
+              </a:rPr>
+              <a:t>"</a:t>
+            </a:r>
+            <a:r>
+              <a:rPr lang="en-US" b="1" dirty="0" err="1">
+                <a:latin typeface="Arial" panose="020B0604020202020204" pitchFamily="34" charset="0"/>
+                <a:cs typeface="Arial" panose="020B0604020202020204" pitchFamily="34" charset="0"/>
+              </a:rPr>
+              <a:t>simpleLemma</a:t>
+            </a:r>
+            <a:r>
+              <a:rPr lang="en-US" b="1" dirty="0">
+                <a:latin typeface="Arial" panose="020B0604020202020204" pitchFamily="34" charset="0"/>
+                <a:cs typeface="Arial" panose="020B0604020202020204" pitchFamily="34" charset="0"/>
+              </a:rPr>
+              <a:t>":"</a:t>
+            </a:r>
+            <a:r>
+              <a:rPr lang="en-US" b="1" dirty="0" err="1">
+                <a:latin typeface="Arial" panose="020B0604020202020204" pitchFamily="34" charset="0"/>
+                <a:cs typeface="Arial" panose="020B0604020202020204" pitchFamily="34" charset="0"/>
+              </a:rPr>
+              <a:t>Donald_Trump</a:t>
+            </a:r>
+            <a:r>
+              <a:rPr lang="en-US" b="1" dirty="0" smtClean="0">
+                <a:latin typeface="Arial" panose="020B0604020202020204" pitchFamily="34" charset="0"/>
+                <a:cs typeface="Arial" panose="020B0604020202020204" pitchFamily="34" charset="0"/>
+              </a:rPr>
+              <a:t>",      </a:t>
+            </a:r>
+            <a:r>
+              <a:rPr lang="en-US" dirty="0">
+                <a:latin typeface="Arial" panose="020B0604020202020204" pitchFamily="34" charset="0"/>
+                <a:cs typeface="Arial" panose="020B0604020202020204" pitchFamily="34" charset="0"/>
+              </a:rPr>
+              <a:t>"</a:t>
+            </a:r>
+            <a:r>
+              <a:rPr lang="en-US" dirty="0" err="1">
+                <a:latin typeface="Arial" panose="020B0604020202020204" pitchFamily="34" charset="0"/>
+                <a:cs typeface="Arial" panose="020B0604020202020204" pitchFamily="34" charset="0"/>
+              </a:rPr>
+              <a:t>source":"WIKI</a:t>
+            </a:r>
+            <a:r>
+              <a:rPr lang="en-US" dirty="0">
+                <a:latin typeface="Arial" panose="020B0604020202020204" pitchFamily="34" charset="0"/>
+                <a:cs typeface="Arial" panose="020B0604020202020204" pitchFamily="34" charset="0"/>
+              </a:rPr>
+              <a:t>",</a:t>
+            </a:r>
+          </a:p>
+          <a:p>
+            <a:pPr marL="0" indent="0">
+              <a:buNone/>
+            </a:pPr>
+            <a:r>
+              <a:rPr lang="en-US" dirty="0">
+                <a:latin typeface="Arial" panose="020B0604020202020204" pitchFamily="34" charset="0"/>
+                <a:cs typeface="Arial" panose="020B0604020202020204" pitchFamily="34" charset="0"/>
+              </a:rPr>
+              <a:t>      "</a:t>
+            </a:r>
+            <a:r>
+              <a:rPr lang="en-US" dirty="0" err="1">
+                <a:latin typeface="Arial" panose="020B0604020202020204" pitchFamily="34" charset="0"/>
+                <a:cs typeface="Arial" panose="020B0604020202020204" pitchFamily="34" charset="0"/>
+              </a:rPr>
+              <a:t>sensekey</a:t>
+            </a:r>
+            <a:r>
+              <a:rPr lang="en-US" dirty="0" smtClean="0">
+                <a:latin typeface="Arial" panose="020B0604020202020204" pitchFamily="34" charset="0"/>
+                <a:cs typeface="Arial" panose="020B0604020202020204" pitchFamily="34" charset="0"/>
+              </a:rPr>
+              <a:t>":"",      </a:t>
+            </a:r>
+            <a:r>
+              <a:rPr lang="en-US" dirty="0">
+                <a:latin typeface="Arial" panose="020B0604020202020204" pitchFamily="34" charset="0"/>
+                <a:cs typeface="Arial" panose="020B0604020202020204" pitchFamily="34" charset="0"/>
+              </a:rPr>
+              <a:t>"sensenumber":0</a:t>
+            </a:r>
+            <a:r>
+              <a:rPr lang="en-US" dirty="0" smtClean="0">
+                <a:latin typeface="Arial" panose="020B0604020202020204" pitchFamily="34" charset="0"/>
+                <a:cs typeface="Arial" panose="020B0604020202020204" pitchFamily="34" charset="0"/>
+              </a:rPr>
+              <a:t>,      </a:t>
+            </a:r>
+            <a:r>
+              <a:rPr lang="en-US" dirty="0">
+                <a:latin typeface="Arial" panose="020B0604020202020204" pitchFamily="34" charset="0"/>
+                <a:cs typeface="Arial" panose="020B0604020202020204" pitchFamily="34" charset="0"/>
+              </a:rPr>
+              <a:t>"frequency":417</a:t>
+            </a:r>
+            <a:r>
+              <a:rPr lang="en-US" dirty="0" smtClean="0">
+                <a:latin typeface="Arial" panose="020B0604020202020204" pitchFamily="34" charset="0"/>
+                <a:cs typeface="Arial" panose="020B0604020202020204" pitchFamily="34" charset="0"/>
+              </a:rPr>
+              <a:t>,      </a:t>
+            </a:r>
+            <a:r>
+              <a:rPr lang="en-US" dirty="0">
+                <a:latin typeface="Arial" panose="020B0604020202020204" pitchFamily="34" charset="0"/>
+                <a:cs typeface="Arial" panose="020B0604020202020204" pitchFamily="34" charset="0"/>
+              </a:rPr>
+              <a:t>"position":1,</a:t>
+            </a:r>
+          </a:p>
+          <a:p>
+            <a:pPr marL="0" indent="0">
+              <a:buNone/>
+            </a:pPr>
+            <a:r>
+              <a:rPr lang="en-US" dirty="0">
+                <a:latin typeface="Arial" panose="020B0604020202020204" pitchFamily="34" charset="0"/>
+                <a:cs typeface="Arial" panose="020B0604020202020204" pitchFamily="34" charset="0"/>
+              </a:rPr>
+              <a:t>      "</a:t>
+            </a:r>
+            <a:r>
+              <a:rPr lang="en-US" dirty="0" err="1">
+                <a:latin typeface="Arial" panose="020B0604020202020204" pitchFamily="34" charset="0"/>
+                <a:cs typeface="Arial" panose="020B0604020202020204" pitchFamily="34" charset="0"/>
+              </a:rPr>
+              <a:t>language":"ES</a:t>
+            </a:r>
+            <a:r>
+              <a:rPr lang="en-US" dirty="0" smtClean="0">
+                <a:latin typeface="Arial" panose="020B0604020202020204" pitchFamily="34" charset="0"/>
+                <a:cs typeface="Arial" panose="020B0604020202020204" pitchFamily="34" charset="0"/>
+              </a:rPr>
+              <a:t>",      </a:t>
+            </a:r>
+            <a:r>
+              <a:rPr lang="en-US" dirty="0">
+                <a:latin typeface="Arial" panose="020B0604020202020204" pitchFamily="34" charset="0"/>
+                <a:cs typeface="Arial" panose="020B0604020202020204" pitchFamily="34" charset="0"/>
+              </a:rPr>
+              <a:t>"</a:t>
+            </a:r>
+            <a:r>
+              <a:rPr lang="en-US" dirty="0" err="1">
+                <a:latin typeface="Arial" panose="020B0604020202020204" pitchFamily="34" charset="0"/>
+                <a:cs typeface="Arial" panose="020B0604020202020204" pitchFamily="34" charset="0"/>
+              </a:rPr>
+              <a:t>pos</a:t>
+            </a:r>
+            <a:r>
+              <a:rPr lang="en-US" dirty="0">
+                <a:latin typeface="Arial" panose="020B0604020202020204" pitchFamily="34" charset="0"/>
+                <a:cs typeface="Arial" panose="020B0604020202020204" pitchFamily="34" charset="0"/>
+              </a:rPr>
+              <a:t>":"NOUN</a:t>
+            </a:r>
+            <a:r>
+              <a:rPr lang="en-US" dirty="0" smtClean="0">
+                <a:latin typeface="Arial" panose="020B0604020202020204" pitchFamily="34" charset="0"/>
+                <a:cs typeface="Arial" panose="020B0604020202020204" pitchFamily="34" charset="0"/>
+              </a:rPr>
+              <a:t>",      </a:t>
+            </a:r>
+            <a:r>
+              <a:rPr lang="en-US" dirty="0">
+                <a:latin typeface="Arial" panose="020B0604020202020204" pitchFamily="34" charset="0"/>
+                <a:cs typeface="Arial" panose="020B0604020202020204" pitchFamily="34" charset="0"/>
+              </a:rPr>
+              <a:t>"</a:t>
+            </a:r>
+            <a:r>
+              <a:rPr lang="en-US" dirty="0" err="1">
+                <a:latin typeface="Arial" panose="020B0604020202020204" pitchFamily="34" charset="0"/>
+                <a:cs typeface="Arial" panose="020B0604020202020204" pitchFamily="34" charset="0"/>
+              </a:rPr>
+              <a:t>synsetID</a:t>
+            </a:r>
+            <a:r>
+              <a:rPr lang="en-US" dirty="0" smtClean="0">
+                <a:latin typeface="Arial" panose="020B0604020202020204" pitchFamily="34" charset="0"/>
+                <a:cs typeface="Arial" panose="020B0604020202020204" pitchFamily="34" charset="0"/>
+              </a:rPr>
+              <a:t>": {  </a:t>
+            </a:r>
+            <a:endParaRPr lang="en-US" dirty="0">
+              <a:latin typeface="Arial" panose="020B0604020202020204" pitchFamily="34" charset="0"/>
+              <a:cs typeface="Arial" panose="020B0604020202020204" pitchFamily="34" charset="0"/>
+            </a:endParaRPr>
+          </a:p>
+          <a:p>
+            <a:pPr marL="0" indent="0">
+              <a:buNone/>
+            </a:pPr>
+            <a:r>
+              <a:rPr lang="en-US" dirty="0">
+                <a:latin typeface="Arial" panose="020B0604020202020204" pitchFamily="34" charset="0"/>
+                <a:cs typeface="Arial" panose="020B0604020202020204" pitchFamily="34" charset="0"/>
+              </a:rPr>
+              <a:t>         "id":"bn:03259764n</a:t>
+            </a:r>
+            <a:r>
+              <a:rPr lang="en-US" dirty="0" smtClean="0">
+                <a:latin typeface="Arial" panose="020B0604020202020204" pitchFamily="34" charset="0"/>
+                <a:cs typeface="Arial" panose="020B0604020202020204" pitchFamily="34" charset="0"/>
+              </a:rPr>
+              <a:t>",         </a:t>
+            </a:r>
+            <a:r>
+              <a:rPr lang="en-US" dirty="0">
+                <a:latin typeface="Arial" panose="020B0604020202020204" pitchFamily="34" charset="0"/>
+                <a:cs typeface="Arial" panose="020B0604020202020204" pitchFamily="34" charset="0"/>
+              </a:rPr>
+              <a:t>"</a:t>
+            </a:r>
+            <a:r>
+              <a:rPr lang="en-US" dirty="0" err="1">
+                <a:latin typeface="Arial" panose="020B0604020202020204" pitchFamily="34" charset="0"/>
+                <a:cs typeface="Arial" panose="020B0604020202020204" pitchFamily="34" charset="0"/>
+              </a:rPr>
+              <a:t>pos</a:t>
+            </a:r>
+            <a:r>
+              <a:rPr lang="en-US" dirty="0">
+                <a:latin typeface="Arial" panose="020B0604020202020204" pitchFamily="34" charset="0"/>
+                <a:cs typeface="Arial" panose="020B0604020202020204" pitchFamily="34" charset="0"/>
+              </a:rPr>
+              <a:t>":"NOUN</a:t>
+            </a:r>
+            <a:r>
+              <a:rPr lang="en-US" dirty="0" smtClean="0">
+                <a:latin typeface="Arial" panose="020B0604020202020204" pitchFamily="34" charset="0"/>
+                <a:cs typeface="Arial" panose="020B0604020202020204" pitchFamily="34" charset="0"/>
+              </a:rPr>
+              <a:t>",         </a:t>
+            </a:r>
+          </a:p>
+          <a:p>
+            <a:pPr marL="0" indent="0">
+              <a:buNone/>
+            </a:pPr>
+            <a:r>
+              <a:rPr lang="en-US" dirty="0" smtClean="0">
+                <a:latin typeface="Arial" panose="020B0604020202020204" pitchFamily="34" charset="0"/>
+                <a:cs typeface="Arial" panose="020B0604020202020204" pitchFamily="34" charset="0"/>
+              </a:rPr>
+              <a:t>"</a:t>
+            </a:r>
+            <a:r>
+              <a:rPr lang="en-US" dirty="0" err="1">
+                <a:latin typeface="Arial" panose="020B0604020202020204" pitchFamily="34" charset="0"/>
+                <a:cs typeface="Arial" panose="020B0604020202020204" pitchFamily="34" charset="0"/>
+              </a:rPr>
+              <a:t>source":"BABELNET</a:t>
+            </a:r>
+            <a:r>
+              <a:rPr lang="en-US" dirty="0">
+                <a:latin typeface="Arial" panose="020B0604020202020204" pitchFamily="34" charset="0"/>
+                <a:cs typeface="Arial" panose="020B0604020202020204" pitchFamily="34" charset="0"/>
+              </a:rPr>
+              <a:t>"</a:t>
+            </a:r>
+          </a:p>
+          <a:p>
+            <a:pPr marL="0" indent="0">
+              <a:buNone/>
+            </a:pPr>
+            <a:r>
+              <a:rPr lang="en-US" dirty="0">
+                <a:latin typeface="Arial" panose="020B0604020202020204" pitchFamily="34" charset="0"/>
+                <a:cs typeface="Arial" panose="020B0604020202020204" pitchFamily="34" charset="0"/>
+              </a:rPr>
+              <a:t>      </a:t>
+            </a:r>
+            <a:r>
+              <a:rPr lang="en-US" dirty="0" smtClean="0">
+                <a:latin typeface="Arial" panose="020B0604020202020204" pitchFamily="34" charset="0"/>
+                <a:cs typeface="Arial" panose="020B0604020202020204" pitchFamily="34" charset="0"/>
+              </a:rPr>
+              <a:t>},      </a:t>
+            </a:r>
+            <a:endParaRPr lang="en-US" dirty="0">
+              <a:latin typeface="Arial" panose="020B0604020202020204" pitchFamily="34" charset="0"/>
+              <a:cs typeface="Arial" panose="020B0604020202020204" pitchFamily="34" charset="0"/>
+            </a:endParaRPr>
+          </a:p>
+          <a:p>
+            <a:pPr marL="0" indent="0">
+              <a:buNone/>
+            </a:pPr>
+            <a:r>
+              <a:rPr lang="en-US" dirty="0">
+                <a:latin typeface="Arial" panose="020B0604020202020204" pitchFamily="34" charset="0"/>
+                <a:cs typeface="Arial" panose="020B0604020202020204" pitchFamily="34" charset="0"/>
+              </a:rPr>
+              <a:t>   },   </a:t>
+            </a:r>
+          </a:p>
+        </p:txBody>
+      </p:sp>
+    </p:spTree>
+    <p:extLst>
+      <p:ext uri="{BB962C8B-B14F-4D97-AF65-F5344CB8AC3E}">
+        <p14:creationId xmlns:p14="http://schemas.microsoft.com/office/powerpoint/2010/main" val="2248412793"/>
+      </p:ext>
+    </p:extLst>
+  </p:cSld>
+  <p:clrMapOvr>
+    <a:masterClrMapping/>
+  </p:clrMapOvr>
+</p:sld>
+</file>
+
+<file path=ppt/slides/slide13.xml><?xml version="1.0" encoding="utf-8"?>
+<p:sld xmlns:a="http://schemas.openxmlformats.org/drawingml/2006/main" xmlns:r="http://schemas.openxmlformats.org/officeDocument/2006/relationships" xmlns:p="http://schemas.openxmlformats.org/presentationml/2006/main">
+  <p:cSld>
+    <p:spTree>
+      <p:nvGrpSpPr>
+        <p:cNvPr id="1" name=""/>
+        <p:cNvGrpSpPr/>
+        <p:nvPr/>
+      </p:nvGrpSpPr>
+      <p:grpSpPr>
+        <a:xfrm>
+          <a:off x="0" y="0"/>
+          <a:ext cx="0" cy="0"/>
+          <a:chOff x="0" y="0"/>
+          <a:chExt cx="0" cy="0"/>
+        </a:xfrm>
+      </p:grpSpPr>
+      <p:sp>
+        <p:nvSpPr>
+          <p:cNvPr id="2" name="Title 1"/>
+          <p:cNvSpPr>
+            <a:spLocks noGrp="1"/>
+          </p:cNvSpPr>
+          <p:nvPr>
+            <p:ph type="title"/>
+          </p:nvPr>
+        </p:nvSpPr>
+        <p:spPr/>
+        <p:txBody>
+          <a:bodyPr/>
+          <a:lstStyle/>
+          <a:p>
+            <a:r>
+              <a:rPr lang="en-US" dirty="0" smtClean="0"/>
+              <a:t>Integrate </a:t>
+            </a:r>
+            <a:r>
+              <a:rPr lang="en-US" dirty="0" err="1" smtClean="0"/>
+              <a:t>BableNet</a:t>
+            </a:r>
+            <a:r>
+              <a:rPr lang="en-US" dirty="0" smtClean="0"/>
+              <a:t> with our database on demand</a:t>
+            </a:r>
+            <a:endParaRPr lang="en-US" dirty="0"/>
+          </a:p>
+        </p:txBody>
+      </p:sp>
+      <p:sp>
+        <p:nvSpPr>
+          <p:cNvPr id="4" name="Rectangle 3"/>
+          <p:cNvSpPr/>
+          <p:nvPr/>
+        </p:nvSpPr>
+        <p:spPr>
+          <a:xfrm>
+            <a:off x="2926079" y="3027342"/>
+            <a:ext cx="1256306" cy="1216549"/>
+          </a:xfrm>
+          <a:prstGeom prst="rect">
+            <a:avLst/>
+          </a:prstGeom>
+        </p:spPr>
+        <p:style>
+          <a:lnRef idx="2">
+            <a:schemeClr val="accent1">
+              <a:shade val="50000"/>
+            </a:schemeClr>
+          </a:lnRef>
+          <a:fillRef idx="1">
+            <a:schemeClr val="accent1"/>
+          </a:fillRef>
+          <a:effectRef idx="0">
+            <a:schemeClr val="accent1"/>
+          </a:effectRef>
+          <a:fontRef idx="minor">
+            <a:schemeClr val="lt1"/>
+          </a:fontRef>
+        </p:style>
+        <p:txBody>
+          <a:bodyPr rtlCol="0" anchor="ctr"/>
+          <a:lstStyle/>
+          <a:p>
+            <a:pPr algn="ctr"/>
+            <a:r>
+              <a:rPr lang="en-US" dirty="0" smtClean="0"/>
+              <a:t>Interface</a:t>
+            </a:r>
+            <a:endParaRPr lang="en-US" dirty="0"/>
+          </a:p>
+        </p:txBody>
+      </p:sp>
+      <p:sp>
+        <p:nvSpPr>
+          <p:cNvPr id="5" name="Can 4"/>
+          <p:cNvSpPr/>
+          <p:nvPr/>
+        </p:nvSpPr>
+        <p:spPr>
+          <a:xfrm>
+            <a:off x="5446643" y="4341412"/>
+            <a:ext cx="1630018" cy="1311965"/>
+          </a:xfrm>
+          <a:prstGeom prst="can">
+            <a:avLst/>
+          </a:prstGeom>
+        </p:spPr>
+        <p:style>
+          <a:lnRef idx="2">
+            <a:schemeClr val="accent1">
+              <a:shade val="50000"/>
+            </a:schemeClr>
+          </a:lnRef>
+          <a:fillRef idx="1">
+            <a:schemeClr val="accent1"/>
+          </a:fillRef>
+          <a:effectRef idx="0">
+            <a:schemeClr val="accent1"/>
+          </a:effectRef>
+          <a:fontRef idx="minor">
+            <a:schemeClr val="lt1"/>
+          </a:fontRef>
+        </p:style>
+        <p:txBody>
+          <a:bodyPr rtlCol="0" anchor="ctr"/>
+          <a:lstStyle/>
+          <a:p>
+            <a:pPr algn="ctr"/>
+            <a:r>
+              <a:rPr lang="en-US" dirty="0" smtClean="0"/>
+              <a:t>UTD Language </a:t>
+            </a:r>
+            <a:r>
+              <a:rPr lang="en-US" dirty="0" err="1" smtClean="0"/>
+              <a:t>Databse</a:t>
+            </a:r>
+            <a:endParaRPr lang="en-US" dirty="0"/>
+          </a:p>
+        </p:txBody>
+      </p:sp>
+      <p:pic>
+        <p:nvPicPr>
+          <p:cNvPr id="3074" name="Picture 2" descr="BabelNet"/>
+          <p:cNvPicPr>
+            <a:picLocks noGrp="1" noChangeAspect="1" noChangeArrowheads="1"/>
+          </p:cNvPicPr>
+          <p:nvPr>
+            <p:ph idx="1"/>
+          </p:nvPr>
+        </p:nvPicPr>
+        <p:blipFill>
+          <a:blip r:embed="rId2">
+            <a:extLst>
+              <a:ext uri="{28A0092B-C50C-407E-A947-70E740481C1C}">
+                <a14:useLocalDpi xmlns:a14="http://schemas.microsoft.com/office/drawing/2010/main" val="0"/>
+              </a:ext>
+            </a:extLst>
+          </a:blip>
+          <a:srcRect/>
+          <a:stretch>
+            <a:fillRect/>
+          </a:stretch>
+        </p:blipFill>
+        <p:spPr bwMode="auto">
+          <a:xfrm>
+            <a:off x="7530499" y="2408217"/>
+            <a:ext cx="600075" cy="619125"/>
+          </a:xfrm>
+          <a:prstGeom prst="rect">
+            <a:avLst/>
+          </a:prstGeom>
+          <a:noFill/>
+          <a:extLst>
+            <a:ext uri="{909E8E84-426E-40DD-AFC4-6F175D3DCCD1}">
+              <a14:hiddenFill xmlns:a14="http://schemas.microsoft.com/office/drawing/2010/main">
+                <a:solidFill>
+                  <a:srgbClr val="FFFFFF"/>
+                </a:solidFill>
+              </a14:hiddenFill>
+            </a:ext>
+          </a:extLst>
+        </p:spPr>
+      </p:pic>
+      <p:cxnSp>
+        <p:nvCxnSpPr>
+          <p:cNvPr id="7" name="Straight Arrow Connector 6"/>
+          <p:cNvCxnSpPr/>
+          <p:nvPr/>
+        </p:nvCxnSpPr>
+        <p:spPr>
+          <a:xfrm>
+            <a:off x="4190337" y="3943847"/>
+            <a:ext cx="1256306" cy="850790"/>
+          </a:xfrm>
+          <a:prstGeom prst="straightConnector1">
+            <a:avLst/>
+          </a:prstGeom>
+          <a:ln>
+            <a:tailEnd type="triangle"/>
+          </a:ln>
+        </p:spPr>
+        <p:style>
+          <a:lnRef idx="1">
+            <a:schemeClr val="accent1"/>
+          </a:lnRef>
+          <a:fillRef idx="0">
+            <a:schemeClr val="accent1"/>
+          </a:fillRef>
+          <a:effectRef idx="0">
+            <a:schemeClr val="accent1"/>
+          </a:effectRef>
+          <a:fontRef idx="minor">
+            <a:schemeClr val="tx1"/>
+          </a:fontRef>
+        </p:style>
+      </p:cxnSp>
+      <p:cxnSp>
+        <p:nvCxnSpPr>
+          <p:cNvPr id="9" name="Straight Arrow Connector 8"/>
+          <p:cNvCxnSpPr>
+            <a:endCxn id="3074" idx="2"/>
+          </p:cNvCxnSpPr>
+          <p:nvPr/>
+        </p:nvCxnSpPr>
+        <p:spPr>
+          <a:xfrm flipV="1">
+            <a:off x="7076661" y="3027342"/>
+            <a:ext cx="753876" cy="1393583"/>
+          </a:xfrm>
+          <a:prstGeom prst="straightConnector1">
+            <a:avLst/>
+          </a:prstGeom>
+          <a:ln>
+            <a:tailEnd type="triangle"/>
+          </a:ln>
+        </p:spPr>
+        <p:style>
+          <a:lnRef idx="1">
+            <a:schemeClr val="accent1"/>
+          </a:lnRef>
+          <a:fillRef idx="0">
+            <a:schemeClr val="accent1"/>
+          </a:fillRef>
+          <a:effectRef idx="0">
+            <a:schemeClr val="accent1"/>
+          </a:effectRef>
+          <a:fontRef idx="minor">
+            <a:schemeClr val="tx1"/>
+          </a:fontRef>
+        </p:style>
+      </p:cxnSp>
+      <p:cxnSp>
+        <p:nvCxnSpPr>
+          <p:cNvPr id="11" name="Straight Arrow Connector 10"/>
+          <p:cNvCxnSpPr/>
+          <p:nvPr/>
+        </p:nvCxnSpPr>
+        <p:spPr>
+          <a:xfrm flipH="1">
+            <a:off x="6726803" y="3027342"/>
+            <a:ext cx="803696" cy="1314070"/>
+          </a:xfrm>
+          <a:prstGeom prst="straightConnector1">
+            <a:avLst/>
+          </a:prstGeom>
+          <a:ln>
+            <a:tailEnd type="triangle"/>
+          </a:ln>
+        </p:spPr>
+        <p:style>
+          <a:lnRef idx="1">
+            <a:schemeClr val="accent1"/>
+          </a:lnRef>
+          <a:fillRef idx="0">
+            <a:schemeClr val="accent1"/>
+          </a:fillRef>
+          <a:effectRef idx="0">
+            <a:schemeClr val="accent1"/>
+          </a:effectRef>
+          <a:fontRef idx="minor">
+            <a:schemeClr val="tx1"/>
+          </a:fontRef>
+        </p:style>
+      </p:cxnSp>
+    </p:spTree>
+    <p:extLst>
+      <p:ext uri="{BB962C8B-B14F-4D97-AF65-F5344CB8AC3E}">
+        <p14:creationId xmlns:p14="http://schemas.microsoft.com/office/powerpoint/2010/main" val="589529438"/>
+      </p:ext>
+    </p:extLst>
+  </p:cSld>
+  <p:clrMapOvr>
+    <a:masterClrMapping/>
+  </p:clrMapOvr>
+</p:sld>
+</file>
+
+<file path=ppt/slides/slide14.xml><?xml version="1.0" encoding="utf-8"?>
+<p:sld xmlns:a="http://schemas.openxmlformats.org/drawingml/2006/main" xmlns:r="http://schemas.openxmlformats.org/officeDocument/2006/relationships" xmlns:p="http://schemas.openxmlformats.org/presentationml/2006/main">
+  <p:cSld>
+    <p:spTree>
+      <p:nvGrpSpPr>
+        <p:cNvPr id="1" name=""/>
+        <p:cNvGrpSpPr/>
+        <p:nvPr/>
+      </p:nvGrpSpPr>
+      <p:grpSpPr>
+        <a:xfrm>
+          <a:off x="0" y="0"/>
+          <a:ext cx="0" cy="0"/>
+          <a:chOff x="0" y="0"/>
+          <a:chExt cx="0" cy="0"/>
+        </a:xfrm>
+      </p:grpSpPr>
+      <p:sp>
+        <p:nvSpPr>
+          <p:cNvPr id="2" name="Title 1"/>
+          <p:cNvSpPr>
+            <a:spLocks noGrp="1"/>
+          </p:cNvSpPr>
+          <p:nvPr>
+            <p:ph type="title"/>
+          </p:nvPr>
+        </p:nvSpPr>
+        <p:spPr/>
+        <p:txBody>
+          <a:bodyPr/>
+          <a:lstStyle/>
+          <a:p>
+            <a:r>
+              <a:rPr lang="en-US" dirty="0" smtClean="0"/>
+              <a:t>Reference</a:t>
+            </a:r>
+            <a:endParaRPr lang="en-US" dirty="0"/>
+          </a:p>
+        </p:txBody>
+      </p:sp>
+      <p:sp>
+        <p:nvSpPr>
+          <p:cNvPr id="3" name="Content Placeholder 2"/>
+          <p:cNvSpPr>
+            <a:spLocks noGrp="1"/>
+          </p:cNvSpPr>
+          <p:nvPr>
+            <p:ph idx="1"/>
+          </p:nvPr>
+        </p:nvSpPr>
+        <p:spPr>
+          <a:xfrm>
+            <a:off x="677334" y="1651706"/>
+            <a:ext cx="8596668" cy="3880773"/>
+          </a:xfrm>
+        </p:spPr>
+        <p:txBody>
+          <a:bodyPr/>
+          <a:lstStyle/>
+          <a:p>
+            <a:r>
+              <a:rPr lang="en-US" dirty="0" smtClean="0"/>
+              <a:t>CAMEO Data: </a:t>
+            </a:r>
+            <a:r>
+              <a:rPr lang="en-US" u="sng" dirty="0">
+                <a:hlinkClick r:id="rId2"/>
+              </a:rPr>
+              <a:t>https://github.com/openeventdata/UniversalPetrarch/tree/master/UniversalPetrarch/data/dictionaries</a:t>
+            </a:r>
+            <a:endParaRPr lang="en-US" dirty="0"/>
+          </a:p>
+          <a:p>
+            <a:endParaRPr lang="en-US" dirty="0" smtClean="0"/>
+          </a:p>
+          <a:p>
+            <a:r>
+              <a:rPr lang="en-US" dirty="0" smtClean="0"/>
+              <a:t>Code Repo </a:t>
+            </a:r>
+            <a:r>
+              <a:rPr lang="en-US" dirty="0"/>
+              <a:t>: </a:t>
+            </a:r>
+            <a:r>
+              <a:rPr lang="en-US" dirty="0">
+                <a:hlinkClick r:id="rId3"/>
+              </a:rPr>
+              <a:t>https://</a:t>
+            </a:r>
+            <a:r>
+              <a:rPr lang="en-US" dirty="0" smtClean="0">
+                <a:hlinkClick r:id="rId3"/>
+              </a:rPr>
+              <a:t>github.com/SubhasisDutta/JRC-Name-Parser</a:t>
+            </a:r>
+            <a:r>
+              <a:rPr lang="en-US" dirty="0" smtClean="0"/>
+              <a:t> </a:t>
+            </a:r>
+            <a:endParaRPr lang="en-US" dirty="0"/>
+          </a:p>
+        </p:txBody>
+      </p:sp>
+    </p:spTree>
+    <p:extLst>
+      <p:ext uri="{BB962C8B-B14F-4D97-AF65-F5344CB8AC3E}">
+        <p14:creationId xmlns:p14="http://schemas.microsoft.com/office/powerpoint/2010/main" val="3587418812"/>
+      </p:ext>
+    </p:extLst>
+  </p:cSld>
+  <p:clrMapOvr>
+    <a:masterClrMapping/>
+  </p:clrMapOvr>
+</p:sld>
+</file>
+
 <file path=ppt/slides/slide2.xml><?xml version="1.0" encoding="utf-8"?>
 <p:sld xmlns:a="http://schemas.openxmlformats.org/drawingml/2006/main" xmlns:r="http://schemas.openxmlformats.org/officeDocument/2006/relationships" xmlns:p="http://schemas.openxmlformats.org/presentationml/2006/main">
   <p:cSld>
@@ -7163,15 +8519,23 @@
             <p:ph type="title"/>
           </p:nvPr>
         </p:nvSpPr>
-        <p:spPr/>
+        <p:spPr>
+          <a:xfrm>
+            <a:off x="677334" y="252397"/>
+            <a:ext cx="8596668" cy="1320800"/>
+          </a:xfrm>
+        </p:spPr>
         <p:txBody>
           <a:bodyPr/>
           <a:lstStyle/>
           <a:p>
             <a:r>
               <a:rPr lang="en-US" dirty="0" smtClean="0"/>
-              <a:t>Reference</a:t>
-            </a:r>
+              <a:t>Implementation using Edit Distance</a:t>
+            </a:r>
+            <a:br>
+              <a:rPr lang="en-US" dirty="0" smtClean="0"/>
+            </a:br>
             <a:endParaRPr lang="en-US" dirty="0"/>
           </a:p>
         </p:txBody>
@@ -7188,8 +8552,8 @@
         </p:nvSpPr>
         <p:spPr>
           <a:xfrm>
-            <a:off x="677334" y="1651706"/>
-            <a:ext cx="8596668" cy="3880773"/>
+            <a:off x="677334" y="1311443"/>
+            <a:ext cx="8596668" cy="4729920"/>
           </a:xfrm>
         </p:spPr>
         <p:txBody>
@@ -7198,13 +8562,39 @@
           <a:p>
             <a:r>
               <a:rPr lang="en-US" dirty="0" smtClean="0"/>
-              <a:t>CAMEO Data: </a:t>
-            </a:r>
-            <a:r>
-              <a:rPr lang="en-US" u="sng" dirty="0">
-                <a:hlinkClick r:id="rId2"/>
-              </a:rPr>
-              <a:t>https://github.com/openeventdata/UniversalPetrarch/tree/master/UniversalPetrarch/data/dictionaries</a:t>
+              <a:t>Done using Edit Distance</a:t>
+            </a:r>
+          </a:p>
+          <a:p>
+            <a:pPr lvl="1"/>
+            <a:r>
+              <a:rPr lang="en-US" dirty="0" smtClean="0"/>
+              <a:t>Insertion or Deletion : 1</a:t>
+            </a:r>
+          </a:p>
+          <a:p>
+            <a:pPr lvl="1"/>
+            <a:r>
+              <a:rPr lang="en-US" dirty="0" smtClean="0"/>
+              <a:t>Substitution : 1</a:t>
+            </a:r>
+          </a:p>
+          <a:p>
+            <a:r>
+              <a:rPr lang="en-US" dirty="0"/>
+              <a:t>Cameo-JRC join script on a small data set of 219 entities </a:t>
+            </a:r>
+            <a:endParaRPr lang="en-US" dirty="0" smtClean="0"/>
+          </a:p>
+          <a:p>
+            <a:pPr lvl="1"/>
+            <a:r>
+              <a:rPr lang="en-US" dirty="0" smtClean="0"/>
+              <a:t>out </a:t>
+            </a:r>
+            <a:r>
+              <a:rPr lang="en-US" dirty="0"/>
+              <a:t>of which 147 are person names which have a chance of being in JRC</a:t>
             </a:r>
             <a:endParaRPr lang="en-US" dirty="0"/>
           </a:p>
@@ -7212,38 +8602,892 @@
             <a:endParaRPr lang="en-US" dirty="0" smtClean="0"/>
           </a:p>
           <a:p>
-            <a:r>
-              <a:rPr lang="en-US" dirty="0" smtClean="0"/>
-              <a:t>Code Repo </a:t>
-            </a:r>
-            <a:r>
-              <a:rPr lang="en-US" dirty="0"/>
-              <a:t>: </a:t>
-            </a:r>
-            <a:r>
-              <a:rPr lang="en-US" dirty="0">
-                <a:hlinkClick r:id="rId3"/>
-              </a:rPr>
-              <a:t>https://</a:t>
-            </a:r>
-            <a:r>
-              <a:rPr lang="en-US" dirty="0" smtClean="0">
-                <a:hlinkClick r:id="rId3"/>
-              </a:rPr>
-              <a:t>github.com/SubhasisDutta/JRC-Name-Parser</a:t>
-            </a:r>
-            <a:r>
-              <a:rPr lang="en-US" dirty="0" smtClean="0"/>
-              <a:t> </a:t>
-            </a:r>
+            <a:endParaRPr lang="en-US" dirty="0" smtClean="0"/>
+          </a:p>
+          <a:p>
             <a:endParaRPr lang="en-US" dirty="0"/>
+          </a:p>
+        </p:txBody>
+      </p:sp>
+      <p:graphicFrame>
+        <p:nvGraphicFramePr>
+          <p:cNvPr id="4" name="Table 3"/>
+          <p:cNvGraphicFramePr>
+            <a:graphicFrameLocks noGrp="1"/>
+          </p:cNvGraphicFramePr>
+          <p:nvPr>
+            <p:extLst>
+              <p:ext uri="{D42A27DB-BD31-4B8C-83A1-F6EECF244321}">
+                <p14:modId xmlns:p14="http://schemas.microsoft.com/office/powerpoint/2010/main" val="2806220408"/>
+              </p:ext>
+            </p:extLst>
+          </p:nvPr>
+        </p:nvGraphicFramePr>
+        <p:xfrm>
+          <a:off x="677334" y="3483464"/>
+          <a:ext cx="8217569" cy="2417469"/>
+        </p:xfrm>
+        <a:graphic>
+          <a:graphicData uri="http://schemas.openxmlformats.org/drawingml/2006/table">
+            <a:tbl>
+              <a:tblPr firstRow="1" firstCol="1" bandRow="1">
+                <a:tableStyleId>{5C22544A-7EE6-4342-B048-85BDC9FD1C3A}</a:tableStyleId>
+              </a:tblPr>
+              <a:tblGrid>
+                <a:gridCol w="2201724"/>
+                <a:gridCol w="1322518"/>
+                <a:gridCol w="988075"/>
+                <a:gridCol w="1161926"/>
+                <a:gridCol w="1252297"/>
+                <a:gridCol w="1291029"/>
+              </a:tblGrid>
+              <a:tr h="619305">
+                <a:tc>
+                  <a:txBody>
+                    <a:bodyPr/>
+                    <a:lstStyle/>
+                    <a:p>
+                      <a:pPr marL="0" marR="0" algn="ctr">
+                        <a:spcBef>
+                          <a:spcPts val="0"/>
+                        </a:spcBef>
+                        <a:spcAft>
+                          <a:spcPts val="0"/>
+                        </a:spcAft>
+                      </a:pPr>
+                      <a:r>
+                        <a:rPr lang="en-US" sz="1200" dirty="0">
+                          <a:effectLst/>
+                        </a:rPr>
+                        <a:t># of Cameo Entity Matched</a:t>
+                      </a:r>
+                      <a:endParaRPr lang="en-US" sz="1100" dirty="0">
+                        <a:effectLst/>
+                        <a:latin typeface="Calibri" panose="020F0502020204030204" pitchFamily="34" charset="0"/>
+                        <a:ea typeface="Calibri" panose="020F0502020204030204" pitchFamily="34" charset="0"/>
+                      </a:endParaRPr>
+                    </a:p>
+                  </a:txBody>
+                  <a:tcPr marL="68580" marR="68580" marT="0" marB="0"/>
+                </a:tc>
+                <a:tc>
+                  <a:txBody>
+                    <a:bodyPr/>
+                    <a:lstStyle/>
+                    <a:p>
+                      <a:pPr marL="0" marR="0" algn="ctr">
+                        <a:spcBef>
+                          <a:spcPts val="0"/>
+                        </a:spcBef>
+                        <a:spcAft>
+                          <a:spcPts val="0"/>
+                        </a:spcAft>
+                      </a:pPr>
+                      <a:r>
+                        <a:rPr lang="en-US" sz="1200" dirty="0">
+                          <a:effectLst/>
+                        </a:rPr>
+                        <a:t>0 Edit Distance(Exact Match)</a:t>
+                      </a:r>
+                      <a:endParaRPr lang="en-US" sz="1100" dirty="0">
+                        <a:effectLst/>
+                        <a:latin typeface="Calibri" panose="020F0502020204030204" pitchFamily="34" charset="0"/>
+                        <a:ea typeface="Calibri" panose="020F0502020204030204" pitchFamily="34" charset="0"/>
+                      </a:endParaRPr>
+                    </a:p>
+                  </a:txBody>
+                  <a:tcPr marL="68580" marR="68580" marT="0" marB="0"/>
+                </a:tc>
+                <a:tc>
+                  <a:txBody>
+                    <a:bodyPr/>
+                    <a:lstStyle/>
+                    <a:p>
+                      <a:pPr marL="0" marR="0" algn="ctr">
+                        <a:spcBef>
+                          <a:spcPts val="0"/>
+                        </a:spcBef>
+                        <a:spcAft>
+                          <a:spcPts val="0"/>
+                        </a:spcAft>
+                      </a:pPr>
+                      <a:r>
+                        <a:rPr lang="en-US" sz="1200">
+                          <a:effectLst/>
+                        </a:rPr>
+                        <a:t>1 Edit Distance</a:t>
+                      </a:r>
+                      <a:endParaRPr lang="en-US" sz="1100">
+                        <a:effectLst/>
+                        <a:latin typeface="Calibri" panose="020F0502020204030204" pitchFamily="34" charset="0"/>
+                        <a:ea typeface="Calibri" panose="020F0502020204030204" pitchFamily="34" charset="0"/>
+                      </a:endParaRPr>
+                    </a:p>
+                  </a:txBody>
+                  <a:tcPr marL="68580" marR="68580" marT="0" marB="0"/>
+                </a:tc>
+                <a:tc>
+                  <a:txBody>
+                    <a:bodyPr/>
+                    <a:lstStyle/>
+                    <a:p>
+                      <a:pPr marL="0" marR="0" algn="ctr">
+                        <a:spcBef>
+                          <a:spcPts val="0"/>
+                        </a:spcBef>
+                        <a:spcAft>
+                          <a:spcPts val="0"/>
+                        </a:spcAft>
+                      </a:pPr>
+                      <a:r>
+                        <a:rPr lang="en-US" sz="1200" dirty="0">
+                          <a:effectLst/>
+                        </a:rPr>
+                        <a:t>2 Edit Distance</a:t>
+                      </a:r>
+                      <a:endParaRPr lang="en-US" sz="1100" dirty="0">
+                        <a:effectLst/>
+                        <a:latin typeface="Calibri" panose="020F0502020204030204" pitchFamily="34" charset="0"/>
+                        <a:ea typeface="Calibri" panose="020F0502020204030204" pitchFamily="34" charset="0"/>
+                      </a:endParaRPr>
+                    </a:p>
+                  </a:txBody>
+                  <a:tcPr marL="68580" marR="68580" marT="0" marB="0"/>
+                </a:tc>
+                <a:tc>
+                  <a:txBody>
+                    <a:bodyPr/>
+                    <a:lstStyle/>
+                    <a:p>
+                      <a:pPr marL="0" marR="0" algn="ctr">
+                        <a:spcBef>
+                          <a:spcPts val="0"/>
+                        </a:spcBef>
+                        <a:spcAft>
+                          <a:spcPts val="0"/>
+                        </a:spcAft>
+                      </a:pPr>
+                      <a:r>
+                        <a:rPr lang="en-US" sz="1200">
+                          <a:effectLst/>
+                        </a:rPr>
+                        <a:t>3 Edit Distance</a:t>
+                      </a:r>
+                      <a:endParaRPr lang="en-US" sz="1100">
+                        <a:effectLst/>
+                        <a:latin typeface="Calibri" panose="020F0502020204030204" pitchFamily="34" charset="0"/>
+                        <a:ea typeface="Calibri" panose="020F0502020204030204" pitchFamily="34" charset="0"/>
+                      </a:endParaRPr>
+                    </a:p>
+                  </a:txBody>
+                  <a:tcPr marL="68580" marR="68580" marT="0" marB="0"/>
+                </a:tc>
+                <a:tc>
+                  <a:txBody>
+                    <a:bodyPr/>
+                    <a:lstStyle/>
+                    <a:p>
+                      <a:pPr marL="0" marR="0" algn="ctr">
+                        <a:spcBef>
+                          <a:spcPts val="0"/>
+                        </a:spcBef>
+                        <a:spcAft>
+                          <a:spcPts val="0"/>
+                        </a:spcAft>
+                      </a:pPr>
+                      <a:r>
+                        <a:rPr lang="en-US" sz="1200">
+                          <a:effectLst/>
+                        </a:rPr>
+                        <a:t>4 Edit Distance</a:t>
+                      </a:r>
+                      <a:endParaRPr lang="en-US" sz="1100">
+                        <a:effectLst/>
+                        <a:latin typeface="Calibri" panose="020F0502020204030204" pitchFamily="34" charset="0"/>
+                        <a:ea typeface="Calibri" panose="020F0502020204030204" pitchFamily="34" charset="0"/>
+                      </a:endParaRPr>
+                    </a:p>
+                  </a:txBody>
+                  <a:tcPr marL="68580" marR="68580" marT="0" marB="0"/>
+                </a:tc>
+              </a:tr>
+              <a:tr h="580569">
+                <a:tc>
+                  <a:txBody>
+                    <a:bodyPr/>
+                    <a:lstStyle/>
+                    <a:p>
+                      <a:pPr marL="0" marR="0" algn="ctr">
+                        <a:lnSpc>
+                          <a:spcPct val="100000"/>
+                        </a:lnSpc>
+                        <a:spcBef>
+                          <a:spcPts val="0"/>
+                        </a:spcBef>
+                        <a:spcAft>
+                          <a:spcPts val="0"/>
+                        </a:spcAft>
+                      </a:pPr>
+                      <a:r>
+                        <a:rPr lang="en-US" sz="1200" dirty="0">
+                          <a:effectLst/>
+                        </a:rPr>
+                        <a:t>219 (# of persons 147)</a:t>
+                      </a:r>
+                      <a:endParaRPr lang="en-US" sz="1100" dirty="0">
+                        <a:effectLst/>
+                        <a:latin typeface="Calibri" panose="020F0502020204030204" pitchFamily="34" charset="0"/>
+                        <a:ea typeface="Calibri" panose="020F0502020204030204" pitchFamily="34" charset="0"/>
+                      </a:endParaRPr>
+                    </a:p>
+                  </a:txBody>
+                  <a:tcPr marL="68580" marR="68580" marT="0" marB="0"/>
+                </a:tc>
+                <a:tc>
+                  <a:txBody>
+                    <a:bodyPr/>
+                    <a:lstStyle/>
+                    <a:p>
+                      <a:pPr marL="0" marR="0" algn="ctr">
+                        <a:lnSpc>
+                          <a:spcPct val="100000"/>
+                        </a:lnSpc>
+                        <a:spcBef>
+                          <a:spcPts val="0"/>
+                        </a:spcBef>
+                        <a:spcAft>
+                          <a:spcPts val="0"/>
+                        </a:spcAft>
+                      </a:pPr>
+                      <a:r>
+                        <a:rPr lang="en-US" sz="1200" dirty="0">
+                          <a:effectLst/>
+                        </a:rPr>
+                        <a:t>54</a:t>
+                      </a:r>
+                      <a:endParaRPr lang="en-US" sz="1100" dirty="0">
+                        <a:effectLst/>
+                        <a:latin typeface="Calibri" panose="020F0502020204030204" pitchFamily="34" charset="0"/>
+                        <a:ea typeface="Calibri" panose="020F0502020204030204" pitchFamily="34" charset="0"/>
+                      </a:endParaRPr>
+                    </a:p>
+                  </a:txBody>
+                  <a:tcPr marL="68580" marR="68580" marT="0" marB="0"/>
+                </a:tc>
+                <a:tc>
+                  <a:txBody>
+                    <a:bodyPr/>
+                    <a:lstStyle/>
+                    <a:p>
+                      <a:pPr marL="0" marR="0" algn="ctr">
+                        <a:lnSpc>
+                          <a:spcPct val="100000"/>
+                        </a:lnSpc>
+                        <a:spcBef>
+                          <a:spcPts val="0"/>
+                        </a:spcBef>
+                        <a:spcAft>
+                          <a:spcPts val="0"/>
+                        </a:spcAft>
+                      </a:pPr>
+                      <a:r>
+                        <a:rPr lang="en-US" sz="1200" dirty="0" smtClean="0">
+                          <a:effectLst/>
+                        </a:rPr>
+                        <a:t>199</a:t>
+                      </a:r>
+                    </a:p>
+                    <a:p>
+                      <a:pPr marL="0" marR="0" algn="ctr">
+                        <a:lnSpc>
+                          <a:spcPct val="100000"/>
+                        </a:lnSpc>
+                        <a:spcBef>
+                          <a:spcPts val="0"/>
+                        </a:spcBef>
+                        <a:spcAft>
+                          <a:spcPts val="0"/>
+                        </a:spcAft>
+                      </a:pPr>
+                      <a:r>
+                        <a:rPr lang="en-US" sz="1200" dirty="0" smtClean="0">
+                          <a:effectLst/>
+                          <a:latin typeface="Calibri" panose="020F0502020204030204" pitchFamily="34" charset="0"/>
+                          <a:ea typeface="Calibri" panose="020F0502020204030204" pitchFamily="34" charset="0"/>
+                        </a:rPr>
+                        <a:t>(145)</a:t>
+                      </a:r>
+                      <a:endParaRPr lang="en-US" sz="1100" dirty="0">
+                        <a:effectLst/>
+                        <a:latin typeface="Calibri" panose="020F0502020204030204" pitchFamily="34" charset="0"/>
+                        <a:ea typeface="Calibri" panose="020F0502020204030204" pitchFamily="34" charset="0"/>
+                      </a:endParaRPr>
+                    </a:p>
+                  </a:txBody>
+                  <a:tcPr marL="68580" marR="68580" marT="0" marB="0"/>
+                </a:tc>
+                <a:tc>
+                  <a:txBody>
+                    <a:bodyPr/>
+                    <a:lstStyle/>
+                    <a:p>
+                      <a:pPr marL="0" marR="0" algn="ctr">
+                        <a:lnSpc>
+                          <a:spcPct val="100000"/>
+                        </a:lnSpc>
+                        <a:spcBef>
+                          <a:spcPts val="0"/>
+                        </a:spcBef>
+                        <a:spcAft>
+                          <a:spcPts val="0"/>
+                        </a:spcAft>
+                      </a:pPr>
+                      <a:r>
+                        <a:rPr lang="en-US" sz="1200" dirty="0" smtClean="0">
+                          <a:effectLst/>
+                        </a:rPr>
+                        <a:t>429</a:t>
+                      </a:r>
+                    </a:p>
+                    <a:p>
+                      <a:pPr marL="0" marR="0" algn="ctr">
+                        <a:lnSpc>
+                          <a:spcPct val="100000"/>
+                        </a:lnSpc>
+                        <a:spcBef>
+                          <a:spcPts val="0"/>
+                        </a:spcBef>
+                        <a:spcAft>
+                          <a:spcPts val="0"/>
+                        </a:spcAft>
+                      </a:pPr>
+                      <a:r>
+                        <a:rPr lang="en-US" sz="1200" dirty="0" smtClean="0">
+                          <a:effectLst/>
+                          <a:latin typeface="Calibri" panose="020F0502020204030204" pitchFamily="34" charset="0"/>
+                          <a:ea typeface="Calibri" panose="020F0502020204030204" pitchFamily="34" charset="0"/>
+                        </a:rPr>
+                        <a:t>(230)</a:t>
+                      </a:r>
+                      <a:endParaRPr lang="en-US" sz="1100" dirty="0">
+                        <a:effectLst/>
+                        <a:latin typeface="Calibri" panose="020F0502020204030204" pitchFamily="34" charset="0"/>
+                        <a:ea typeface="Calibri" panose="020F0502020204030204" pitchFamily="34" charset="0"/>
+                      </a:endParaRPr>
+                    </a:p>
+                  </a:txBody>
+                  <a:tcPr marL="68580" marR="68580" marT="0" marB="0"/>
+                </a:tc>
+                <a:tc>
+                  <a:txBody>
+                    <a:bodyPr/>
+                    <a:lstStyle/>
+                    <a:p>
+                      <a:pPr marL="0" marR="0" algn="ctr">
+                        <a:lnSpc>
+                          <a:spcPct val="100000"/>
+                        </a:lnSpc>
+                        <a:spcBef>
+                          <a:spcPts val="0"/>
+                        </a:spcBef>
+                        <a:spcAft>
+                          <a:spcPts val="0"/>
+                        </a:spcAft>
+                      </a:pPr>
+                      <a:r>
+                        <a:rPr lang="en-US" sz="1200" dirty="0">
+                          <a:effectLst/>
+                        </a:rPr>
+                        <a:t>1115</a:t>
+                      </a:r>
+                      <a:endParaRPr lang="en-US" sz="1100" dirty="0">
+                        <a:effectLst/>
+                        <a:latin typeface="Calibri" panose="020F0502020204030204" pitchFamily="34" charset="0"/>
+                        <a:ea typeface="Calibri" panose="020F0502020204030204" pitchFamily="34" charset="0"/>
+                      </a:endParaRPr>
+                    </a:p>
+                  </a:txBody>
+                  <a:tcPr marL="68580" marR="68580" marT="0" marB="0"/>
+                </a:tc>
+                <a:tc>
+                  <a:txBody>
+                    <a:bodyPr/>
+                    <a:lstStyle/>
+                    <a:p>
+                      <a:pPr marL="0" marR="0" algn="ctr">
+                        <a:lnSpc>
+                          <a:spcPct val="100000"/>
+                        </a:lnSpc>
+                        <a:spcBef>
+                          <a:spcPts val="0"/>
+                        </a:spcBef>
+                        <a:spcAft>
+                          <a:spcPts val="0"/>
+                        </a:spcAft>
+                      </a:pPr>
+                      <a:r>
+                        <a:rPr lang="en-US" sz="1200" dirty="0">
+                          <a:effectLst/>
+                        </a:rPr>
+                        <a:t>8163</a:t>
+                      </a:r>
+                      <a:endParaRPr lang="en-US" sz="1100" dirty="0">
+                        <a:effectLst/>
+                        <a:latin typeface="Calibri" panose="020F0502020204030204" pitchFamily="34" charset="0"/>
+                        <a:ea typeface="Calibri" panose="020F0502020204030204" pitchFamily="34" charset="0"/>
+                      </a:endParaRPr>
+                    </a:p>
+                  </a:txBody>
+                  <a:tcPr marL="68580" marR="68580" marT="0" marB="0"/>
+                </a:tc>
+              </a:tr>
+              <a:tr h="498755">
+                <a:tc>
+                  <a:txBody>
+                    <a:bodyPr/>
+                    <a:lstStyle/>
+                    <a:p>
+                      <a:pPr marL="0" marR="0" algn="ctr">
+                        <a:lnSpc>
+                          <a:spcPct val="100000"/>
+                        </a:lnSpc>
+                        <a:spcBef>
+                          <a:spcPts val="0"/>
+                        </a:spcBef>
+                        <a:spcAft>
+                          <a:spcPts val="0"/>
+                        </a:spcAft>
+                      </a:pPr>
+                      <a:r>
+                        <a:rPr lang="en-US" sz="1400" dirty="0" smtClean="0">
+                          <a:effectLst/>
+                          <a:latin typeface="Calibri" panose="020F0502020204030204" pitchFamily="34" charset="0"/>
+                          <a:ea typeface="Calibri" panose="020F0502020204030204" pitchFamily="34" charset="0"/>
+                        </a:rPr>
+                        <a:t>False Positive (connection not detected found by manual lookup)</a:t>
+                      </a:r>
+                      <a:endParaRPr lang="en-US" sz="1400" dirty="0">
+                        <a:effectLst/>
+                        <a:latin typeface="Calibri" panose="020F0502020204030204" pitchFamily="34" charset="0"/>
+                        <a:ea typeface="Calibri" panose="020F0502020204030204" pitchFamily="34" charset="0"/>
+                      </a:endParaRPr>
+                    </a:p>
+                  </a:txBody>
+                  <a:tcPr marL="68580" marR="68580" marT="0" marB="0"/>
+                </a:tc>
+                <a:tc>
+                  <a:txBody>
+                    <a:bodyPr/>
+                    <a:lstStyle/>
+                    <a:p>
+                      <a:pPr marL="0" marR="0" algn="ctr">
+                        <a:lnSpc>
+                          <a:spcPct val="200000"/>
+                        </a:lnSpc>
+                        <a:spcBef>
+                          <a:spcPts val="0"/>
+                        </a:spcBef>
+                        <a:spcAft>
+                          <a:spcPts val="0"/>
+                        </a:spcAft>
+                      </a:pPr>
+                      <a:r>
+                        <a:rPr lang="en-US" sz="1100" dirty="0" smtClean="0">
+                          <a:effectLst/>
+                          <a:latin typeface="Calibri" panose="020F0502020204030204" pitchFamily="34" charset="0"/>
+                          <a:ea typeface="Calibri" panose="020F0502020204030204" pitchFamily="34" charset="0"/>
+                        </a:rPr>
+                        <a:t>&gt;50</a:t>
+                      </a:r>
+                      <a:endParaRPr lang="en-US" sz="1100" dirty="0">
+                        <a:effectLst/>
+                        <a:latin typeface="Calibri" panose="020F0502020204030204" pitchFamily="34" charset="0"/>
+                        <a:ea typeface="Calibri" panose="020F0502020204030204" pitchFamily="34" charset="0"/>
+                      </a:endParaRPr>
+                    </a:p>
+                  </a:txBody>
+                  <a:tcPr marL="68580" marR="68580" marT="0" marB="0"/>
+                </a:tc>
+                <a:tc>
+                  <a:txBody>
+                    <a:bodyPr/>
+                    <a:lstStyle/>
+                    <a:p>
+                      <a:pPr marL="0" marR="0" algn="ctr">
+                        <a:lnSpc>
+                          <a:spcPct val="200000"/>
+                        </a:lnSpc>
+                        <a:spcBef>
+                          <a:spcPts val="0"/>
+                        </a:spcBef>
+                        <a:spcAft>
+                          <a:spcPts val="0"/>
+                        </a:spcAft>
+                      </a:pPr>
+                      <a:r>
+                        <a:rPr lang="en-US" sz="1100" dirty="0" smtClean="0">
+                          <a:effectLst/>
+                          <a:latin typeface="Calibri" panose="020F0502020204030204" pitchFamily="34" charset="0"/>
+                          <a:ea typeface="Calibri" panose="020F0502020204030204" pitchFamily="34" charset="0"/>
+                        </a:rPr>
+                        <a:t>~14</a:t>
+                      </a:r>
+                      <a:endParaRPr lang="en-US" sz="1100" dirty="0">
+                        <a:effectLst/>
+                        <a:latin typeface="Calibri" panose="020F0502020204030204" pitchFamily="34" charset="0"/>
+                        <a:ea typeface="Calibri" panose="020F0502020204030204" pitchFamily="34" charset="0"/>
+                      </a:endParaRPr>
+                    </a:p>
+                  </a:txBody>
+                  <a:tcPr marL="68580" marR="68580" marT="0" marB="0"/>
+                </a:tc>
+                <a:tc>
+                  <a:txBody>
+                    <a:bodyPr/>
+                    <a:lstStyle/>
+                    <a:p>
+                      <a:pPr marL="0" marR="0" algn="ctr">
+                        <a:lnSpc>
+                          <a:spcPct val="200000"/>
+                        </a:lnSpc>
+                        <a:spcBef>
+                          <a:spcPts val="0"/>
+                        </a:spcBef>
+                        <a:spcAft>
+                          <a:spcPts val="0"/>
+                        </a:spcAft>
+                      </a:pPr>
+                      <a:endParaRPr lang="en-US" sz="1100" dirty="0">
+                        <a:effectLst/>
+                        <a:latin typeface="Calibri" panose="020F0502020204030204" pitchFamily="34" charset="0"/>
+                        <a:ea typeface="Calibri" panose="020F0502020204030204" pitchFamily="34" charset="0"/>
+                      </a:endParaRPr>
+                    </a:p>
+                  </a:txBody>
+                  <a:tcPr marL="68580" marR="68580" marT="0" marB="0"/>
+                </a:tc>
+                <a:tc>
+                  <a:txBody>
+                    <a:bodyPr/>
+                    <a:lstStyle/>
+                    <a:p>
+                      <a:pPr marL="0" marR="0" algn="ctr">
+                        <a:lnSpc>
+                          <a:spcPct val="200000"/>
+                        </a:lnSpc>
+                        <a:spcBef>
+                          <a:spcPts val="0"/>
+                        </a:spcBef>
+                        <a:spcAft>
+                          <a:spcPts val="0"/>
+                        </a:spcAft>
+                      </a:pPr>
+                      <a:endParaRPr lang="en-US" sz="1100" dirty="0">
+                        <a:effectLst/>
+                        <a:latin typeface="Calibri" panose="020F0502020204030204" pitchFamily="34" charset="0"/>
+                        <a:ea typeface="Calibri" panose="020F0502020204030204" pitchFamily="34" charset="0"/>
+                      </a:endParaRPr>
+                    </a:p>
+                  </a:txBody>
+                  <a:tcPr marL="68580" marR="68580" marT="0" marB="0"/>
+                </a:tc>
+                <a:tc>
+                  <a:txBody>
+                    <a:bodyPr/>
+                    <a:lstStyle/>
+                    <a:p>
+                      <a:pPr marL="0" marR="0" algn="ctr">
+                        <a:lnSpc>
+                          <a:spcPct val="200000"/>
+                        </a:lnSpc>
+                        <a:spcBef>
+                          <a:spcPts val="0"/>
+                        </a:spcBef>
+                        <a:spcAft>
+                          <a:spcPts val="0"/>
+                        </a:spcAft>
+                      </a:pPr>
+                      <a:endParaRPr lang="en-US" sz="1100" dirty="0">
+                        <a:effectLst/>
+                        <a:latin typeface="Calibri" panose="020F0502020204030204" pitchFamily="34" charset="0"/>
+                        <a:ea typeface="Calibri" panose="020F0502020204030204" pitchFamily="34" charset="0"/>
+                      </a:endParaRPr>
+                    </a:p>
+                  </a:txBody>
+                  <a:tcPr marL="68580" marR="68580" marT="0" marB="0"/>
+                </a:tc>
+              </a:tr>
+              <a:tr h="577515">
+                <a:tc>
+                  <a:txBody>
+                    <a:bodyPr/>
+                    <a:lstStyle/>
+                    <a:p>
+                      <a:pPr marL="0" marR="0" algn="ctr">
+                        <a:lnSpc>
+                          <a:spcPct val="200000"/>
+                        </a:lnSpc>
+                        <a:spcBef>
+                          <a:spcPts val="0"/>
+                        </a:spcBef>
+                        <a:spcAft>
+                          <a:spcPts val="0"/>
+                        </a:spcAft>
+                      </a:pPr>
+                      <a:r>
+                        <a:rPr lang="en-US" sz="1600" dirty="0" smtClean="0">
+                          <a:effectLst/>
+                          <a:latin typeface="Calibri" panose="020F0502020204030204" pitchFamily="34" charset="0"/>
+                          <a:ea typeface="Calibri" panose="020F0502020204030204" pitchFamily="34" charset="0"/>
+                        </a:rPr>
+                        <a:t>False Negative</a:t>
+                      </a:r>
+                      <a:endParaRPr lang="en-US" sz="1600" dirty="0">
+                        <a:effectLst/>
+                        <a:latin typeface="Calibri" panose="020F0502020204030204" pitchFamily="34" charset="0"/>
+                        <a:ea typeface="Calibri" panose="020F0502020204030204" pitchFamily="34" charset="0"/>
+                      </a:endParaRPr>
+                    </a:p>
+                  </a:txBody>
+                  <a:tcPr marL="68580" marR="68580" marT="0" marB="0"/>
+                </a:tc>
+                <a:tc>
+                  <a:txBody>
+                    <a:bodyPr/>
+                    <a:lstStyle/>
+                    <a:p>
+                      <a:pPr marL="0" marR="0" algn="ctr">
+                        <a:lnSpc>
+                          <a:spcPct val="200000"/>
+                        </a:lnSpc>
+                        <a:spcBef>
+                          <a:spcPts val="0"/>
+                        </a:spcBef>
+                        <a:spcAft>
+                          <a:spcPts val="0"/>
+                        </a:spcAft>
+                      </a:pPr>
+                      <a:r>
+                        <a:rPr lang="en-US" sz="1100" dirty="0" smtClean="0">
+                          <a:effectLst/>
+                          <a:latin typeface="Calibri" panose="020F0502020204030204" pitchFamily="34" charset="0"/>
+                          <a:ea typeface="Calibri" panose="020F0502020204030204" pitchFamily="34" charset="0"/>
+                        </a:rPr>
+                        <a:t>0</a:t>
+                      </a:r>
+                      <a:endParaRPr lang="en-US" sz="1100" dirty="0">
+                        <a:effectLst/>
+                        <a:latin typeface="Calibri" panose="020F0502020204030204" pitchFamily="34" charset="0"/>
+                        <a:ea typeface="Calibri" panose="020F0502020204030204" pitchFamily="34" charset="0"/>
+                      </a:endParaRPr>
+                    </a:p>
+                  </a:txBody>
+                  <a:tcPr marL="68580" marR="68580" marT="0" marB="0"/>
+                </a:tc>
+                <a:tc>
+                  <a:txBody>
+                    <a:bodyPr/>
+                    <a:lstStyle/>
+                    <a:p>
+                      <a:pPr marL="0" marR="0" algn="ctr">
+                        <a:lnSpc>
+                          <a:spcPct val="200000"/>
+                        </a:lnSpc>
+                        <a:spcBef>
+                          <a:spcPts val="0"/>
+                        </a:spcBef>
+                        <a:spcAft>
+                          <a:spcPts val="0"/>
+                        </a:spcAft>
+                      </a:pPr>
+                      <a:r>
+                        <a:rPr lang="en-US" sz="1100" dirty="0" smtClean="0">
+                          <a:effectLst/>
+                          <a:latin typeface="Calibri" panose="020F0502020204030204" pitchFamily="34" charset="0"/>
+                          <a:ea typeface="Calibri" panose="020F0502020204030204" pitchFamily="34" charset="0"/>
+                        </a:rPr>
+                        <a:t>21</a:t>
+                      </a:r>
+                      <a:endParaRPr lang="en-US" sz="1100" dirty="0">
+                        <a:effectLst/>
+                        <a:latin typeface="Calibri" panose="020F0502020204030204" pitchFamily="34" charset="0"/>
+                        <a:ea typeface="Calibri" panose="020F0502020204030204" pitchFamily="34" charset="0"/>
+                      </a:endParaRPr>
+                    </a:p>
+                  </a:txBody>
+                  <a:tcPr marL="68580" marR="68580" marT="0" marB="0"/>
+                </a:tc>
+                <a:tc>
+                  <a:txBody>
+                    <a:bodyPr/>
+                    <a:lstStyle/>
+                    <a:p>
+                      <a:pPr marL="0" marR="0" algn="ctr">
+                        <a:lnSpc>
+                          <a:spcPct val="200000"/>
+                        </a:lnSpc>
+                        <a:spcBef>
+                          <a:spcPts val="0"/>
+                        </a:spcBef>
+                        <a:spcAft>
+                          <a:spcPts val="0"/>
+                        </a:spcAft>
+                      </a:pPr>
+                      <a:r>
+                        <a:rPr lang="en-US" sz="1100" dirty="0" smtClean="0">
+                          <a:effectLst/>
+                          <a:latin typeface="Calibri" panose="020F0502020204030204" pitchFamily="34" charset="0"/>
+                          <a:ea typeface="Calibri" panose="020F0502020204030204" pitchFamily="34" charset="0"/>
+                        </a:rPr>
+                        <a:t>&gt;</a:t>
+                      </a:r>
+                      <a:r>
+                        <a:rPr lang="en-US" sz="1100" baseline="0" dirty="0" smtClean="0">
+                          <a:effectLst/>
+                          <a:latin typeface="Calibri" panose="020F0502020204030204" pitchFamily="34" charset="0"/>
+                          <a:ea typeface="Calibri" panose="020F0502020204030204" pitchFamily="34" charset="0"/>
+                        </a:rPr>
+                        <a:t> 100</a:t>
+                      </a:r>
+                      <a:endParaRPr lang="en-US" sz="1100" dirty="0">
+                        <a:effectLst/>
+                        <a:latin typeface="Calibri" panose="020F0502020204030204" pitchFamily="34" charset="0"/>
+                        <a:ea typeface="Calibri" panose="020F0502020204030204" pitchFamily="34" charset="0"/>
+                      </a:endParaRPr>
+                    </a:p>
+                  </a:txBody>
+                  <a:tcPr marL="68580" marR="68580" marT="0" marB="0"/>
+                </a:tc>
+                <a:tc>
+                  <a:txBody>
+                    <a:bodyPr/>
+                    <a:lstStyle/>
+                    <a:p>
+                      <a:pPr marL="0" marR="0" algn="ctr">
+                        <a:lnSpc>
+                          <a:spcPct val="200000"/>
+                        </a:lnSpc>
+                        <a:spcBef>
+                          <a:spcPts val="0"/>
+                        </a:spcBef>
+                        <a:spcAft>
+                          <a:spcPts val="0"/>
+                        </a:spcAft>
+                      </a:pPr>
+                      <a:r>
+                        <a:rPr lang="en-US" sz="1100" dirty="0" smtClean="0">
+                          <a:effectLst/>
+                          <a:latin typeface="Calibri" panose="020F0502020204030204" pitchFamily="34" charset="0"/>
+                          <a:ea typeface="Calibri" panose="020F0502020204030204" pitchFamily="34" charset="0"/>
+                        </a:rPr>
+                        <a:t>&gt; 60 %</a:t>
+                      </a:r>
+                      <a:endParaRPr lang="en-US" sz="1100" dirty="0">
+                        <a:effectLst/>
+                        <a:latin typeface="Calibri" panose="020F0502020204030204" pitchFamily="34" charset="0"/>
+                        <a:ea typeface="Calibri" panose="020F0502020204030204" pitchFamily="34" charset="0"/>
+                      </a:endParaRPr>
+                    </a:p>
+                  </a:txBody>
+                  <a:tcPr marL="68580" marR="68580" marT="0" marB="0"/>
+                </a:tc>
+                <a:tc>
+                  <a:txBody>
+                    <a:bodyPr/>
+                    <a:lstStyle/>
+                    <a:p>
+                      <a:pPr marL="0" marR="0" algn="ctr">
+                        <a:lnSpc>
+                          <a:spcPct val="200000"/>
+                        </a:lnSpc>
+                        <a:spcBef>
+                          <a:spcPts val="0"/>
+                        </a:spcBef>
+                        <a:spcAft>
+                          <a:spcPts val="0"/>
+                        </a:spcAft>
+                      </a:pPr>
+                      <a:endParaRPr lang="en-US" sz="1100" dirty="0">
+                        <a:effectLst/>
+                        <a:latin typeface="Calibri" panose="020F0502020204030204" pitchFamily="34" charset="0"/>
+                        <a:ea typeface="Calibri" panose="020F0502020204030204" pitchFamily="34" charset="0"/>
+                      </a:endParaRPr>
+                    </a:p>
+                  </a:txBody>
+                  <a:tcPr marL="68580" marR="68580" marT="0" marB="0"/>
+                </a:tc>
+              </a:tr>
+            </a:tbl>
+          </a:graphicData>
+        </a:graphic>
+      </p:graphicFrame>
+      <p:sp>
+        <p:nvSpPr>
+          <p:cNvPr id="5" name="Rectangle 1"/>
+          <p:cNvSpPr>
+            <a:spLocks noChangeArrowheads="1"/>
+          </p:cNvSpPr>
+          <p:nvPr/>
+        </p:nvSpPr>
+        <p:spPr bwMode="auto">
+          <a:xfrm>
+            <a:off x="1583645" y="3675970"/>
+            <a:ext cx="11871098" cy="457200"/>
+          </a:xfrm>
+          <a:prstGeom prst="rect">
+            <a:avLst/>
+          </a:prstGeom>
+          <a:noFill/>
+          <a:ln>
+            <a:noFill/>
+          </a:ln>
+          <a:effectLst/>
+          <a:extLst>
+            <a:ext uri="{909E8E84-426E-40DD-AFC4-6F175D3DCCD1}">
+              <a14:hiddenFill xmlns:a14="http://schemas.microsoft.com/office/drawing/2010/main">
+                <a:solidFill>
+                  <a:schemeClr val="accent1"/>
+                </a:solidFill>
+              </a14:hiddenFill>
+            </a:ext>
+            <a:ext uri="{91240B29-F687-4F45-9708-019B960494DF}">
+              <a14:hiddenLine xmlns:a14="http://schemas.microsoft.com/office/drawing/2010/main" w="9525">
+                <a:solidFill>
+                  <a:schemeClr val="tx1"/>
+                </a:solidFill>
+                <a:miter lim="800000"/>
+                <a:headEnd/>
+                <a:tailEnd/>
+              </a14:hiddenLine>
+            </a:ext>
+            <a:ext uri="{AF507438-7753-43E0-B8FC-AC1667EBCBE1}">
+              <a14:hiddenEffects xmlns:a14="http://schemas.microsoft.com/office/drawing/2010/main">
+                <a:effectLst>
+                  <a:outerShdw dist="35921" dir="2700000" algn="ctr" rotWithShape="0">
+                    <a:schemeClr val="bg2"/>
+                  </a:outerShdw>
+                </a:effectLst>
+              </a14:hiddenEffects>
+            </a:ext>
+          </a:extLst>
+        </p:spPr>
+        <p:txBody>
+          <a:bodyPr vert="horz" wrap="square" lIns="91440" tIns="45720" rIns="91440" bIns="45720" numCol="1" anchor="ctr" anchorCtr="0" compatLnSpc="1">
+            <a:prstTxWarp prst="textNoShape">
+              <a:avLst/>
+            </a:prstTxWarp>
+            <a:spAutoFit/>
+          </a:bodyPr>
+          <a:lstStyle/>
+          <a:p>
+            <a:endParaRPr lang="en-US"/>
           </a:p>
         </p:txBody>
       </p:sp>
     </p:spTree>
     <p:extLst>
       <p:ext uri="{BB962C8B-B14F-4D97-AF65-F5344CB8AC3E}">
-        <p14:creationId xmlns:p14="http://schemas.microsoft.com/office/powerpoint/2010/main" val="3587418812"/>
+        <p14:creationId xmlns:p14="http://schemas.microsoft.com/office/powerpoint/2010/main" val="2742829584"/>
       </p:ext>
     </p:extLst>
   </p:cSld>
